--- a/POWDERHOUNDS.pptx
+++ b/POWDERHOUNDS.pptx
@@ -5,18 +5,19 @@
     <p:sldMasterId id="2147483660" r:id="rId4"/>
   </p:sldMasterIdLst>
   <p:notesMasterIdLst>
-    <p:notesMasterId r:id="rId14"/>
+    <p:notesMasterId r:id="rId15"/>
   </p:notesMasterIdLst>
   <p:sldIdLst>
     <p:sldId id="274" r:id="rId5"/>
     <p:sldId id="310" r:id="rId6"/>
     <p:sldId id="307" r:id="rId7"/>
     <p:sldId id="308" r:id="rId8"/>
-    <p:sldId id="311" r:id="rId9"/>
-    <p:sldId id="312" r:id="rId10"/>
-    <p:sldId id="309" r:id="rId11"/>
-    <p:sldId id="313" r:id="rId12"/>
-    <p:sldId id="314" r:id="rId13"/>
+    <p:sldId id="316" r:id="rId9"/>
+    <p:sldId id="315" r:id="rId10"/>
+    <p:sldId id="312" r:id="rId11"/>
+    <p:sldId id="309" r:id="rId12"/>
+    <p:sldId id="313" r:id="rId13"/>
+    <p:sldId id="314" r:id="rId14"/>
   </p:sldIdLst>
   <p:sldSz cx="12192000" cy="6858000"/>
   <p:notesSz cx="6858000" cy="9144000"/>
@@ -126,7 +127,7 @@
 <file path=ppt/revisionInfo.xml><?xml version="1.0" encoding="utf-8"?>
 <p1510:revInfo xmlns:a="http://schemas.openxmlformats.org/drawingml/2006/main" xmlns:r="http://schemas.openxmlformats.org/officeDocument/2006/relationships" xmlns:p1510="http://schemas.microsoft.com/office/powerpoint/2015/10/main">
   <p1510:revLst>
-    <p1510:client id="{C7E20B7C-3E0A-4C67-926D-378CBC8A85A4}" v="107" dt="2021-06-01T01:45:14.780"/>
+    <p1510:client id="{C7E20B7C-3E0A-4C67-926D-378CBC8A85A4}" v="111" dt="2021-06-02T01:10:16.746"/>
   </p1510:revLst>
 </p1510:revInfo>
 </file>
@@ -135,13 +136,13 @@
 <pc:chgInfo xmlns:a="http://schemas.openxmlformats.org/drawingml/2006/main" xmlns:r="http://schemas.openxmlformats.org/officeDocument/2006/relationships" xmlns:ac="http://schemas.microsoft.com/office/drawing/2013/main/command" xmlns:pc="http://schemas.microsoft.com/office/powerpoint/2013/main/command">
   <pc:docChgLst>
     <pc:chgData name="Lisa Caruana" userId="82ad0ee9fce88be6" providerId="LiveId" clId="{C7E20B7C-3E0A-4C67-926D-378CBC8A85A4}"/>
-    <pc:docChg chg="undo custSel addSld modSld">
-      <pc:chgData name="Lisa Caruana" userId="82ad0ee9fce88be6" providerId="LiveId" clId="{C7E20B7C-3E0A-4C67-926D-378CBC8A85A4}" dt="2021-06-01T01:47:42.005" v="3391" actId="14100"/>
+    <pc:docChg chg="undo custSel addSld delSld modSld">
+      <pc:chgData name="Lisa Caruana" userId="82ad0ee9fce88be6" providerId="LiveId" clId="{C7E20B7C-3E0A-4C67-926D-378CBC8A85A4}" dt="2021-06-02T01:10:31.943" v="4369" actId="27636"/>
       <pc:docMkLst>
         <pc:docMk/>
       </pc:docMkLst>
       <pc:sldChg chg="addSp modSp mod">
-        <pc:chgData name="Lisa Caruana" userId="82ad0ee9fce88be6" providerId="LiveId" clId="{C7E20B7C-3E0A-4C67-926D-378CBC8A85A4}" dt="2021-06-01T01:47:42.005" v="3391" actId="14100"/>
+        <pc:chgData name="Lisa Caruana" userId="82ad0ee9fce88be6" providerId="LiveId" clId="{C7E20B7C-3E0A-4C67-926D-378CBC8A85A4}" dt="2021-06-02T00:45:36.331" v="3399" actId="20577"/>
         <pc:sldMkLst>
           <pc:docMk/>
           <pc:sldMk cId="1205248810" sldId="274"/>
@@ -163,7 +164,7 @@
           </ac:spMkLst>
         </pc:spChg>
         <pc:spChg chg="add mod">
-          <ac:chgData name="Lisa Caruana" userId="82ad0ee9fce88be6" providerId="LiveId" clId="{C7E20B7C-3E0A-4C67-926D-378CBC8A85A4}" dt="2021-06-01T01:47:42.005" v="3391" actId="14100"/>
+          <ac:chgData name="Lisa Caruana" userId="82ad0ee9fce88be6" providerId="LiveId" clId="{C7E20B7C-3E0A-4C67-926D-378CBC8A85A4}" dt="2021-06-02T00:45:36.331" v="3399" actId="20577"/>
           <ac:spMkLst>
             <pc:docMk/>
             <pc:sldMk cId="1205248810" sldId="274"/>
@@ -631,8 +632,8 @@
           </ac:picMkLst>
         </pc:picChg>
       </pc:sldChg>
-      <pc:sldChg chg="modSp new mod">
-        <pc:chgData name="Lisa Caruana" userId="82ad0ee9fce88be6" providerId="LiveId" clId="{C7E20B7C-3E0A-4C67-926D-378CBC8A85A4}" dt="2021-06-01T01:32:17.856" v="2100" actId="20577"/>
+      <pc:sldChg chg="modSp new del mod">
+        <pc:chgData name="Lisa Caruana" userId="82ad0ee9fce88be6" providerId="LiveId" clId="{C7E20B7C-3E0A-4C67-926D-378CBC8A85A4}" dt="2021-06-02T00:51:13.243" v="3422" actId="2696"/>
         <pc:sldMkLst>
           <pc:docMk/>
           <pc:sldMk cId="3608846373" sldId="311"/>
@@ -646,23 +647,143 @@
           </ac:spMkLst>
         </pc:spChg>
       </pc:sldChg>
-      <pc:sldChg chg="modSp new mod">
-        <pc:chgData name="Lisa Caruana" userId="82ad0ee9fce88be6" providerId="LiveId" clId="{C7E20B7C-3E0A-4C67-926D-378CBC8A85A4}" dt="2021-06-01T01:32:31.873" v="2127" actId="20577"/>
+      <pc:sldChg chg="addSp delSp modSp new mod setBg setClrOvrMap">
+        <pc:chgData name="Lisa Caruana" userId="82ad0ee9fce88be6" providerId="LiveId" clId="{C7E20B7C-3E0A-4C67-926D-378CBC8A85A4}" dt="2021-06-02T00:49:07.202" v="3410" actId="14100"/>
         <pc:sldMkLst>
           <pc:docMk/>
           <pc:sldMk cId="4143943758" sldId="312"/>
         </pc:sldMkLst>
         <pc:spChg chg="mod">
-          <ac:chgData name="Lisa Caruana" userId="82ad0ee9fce88be6" providerId="LiveId" clId="{C7E20B7C-3E0A-4C67-926D-378CBC8A85A4}" dt="2021-06-01T01:32:31.873" v="2127" actId="20577"/>
+          <ac:chgData name="Lisa Caruana" userId="82ad0ee9fce88be6" providerId="LiveId" clId="{C7E20B7C-3E0A-4C67-926D-378CBC8A85A4}" dt="2021-06-02T00:48:57.131" v="3408" actId="122"/>
           <ac:spMkLst>
             <pc:docMk/>
             <pc:sldMk cId="4143943758" sldId="312"/>
             <ac:spMk id="2" creationId="{B84214D5-4FB2-4CE0-B2A6-CC2C2A03DAA0}"/>
           </ac:spMkLst>
         </pc:spChg>
+        <pc:spChg chg="del">
+          <ac:chgData name="Lisa Caruana" userId="82ad0ee9fce88be6" providerId="LiveId" clId="{C7E20B7C-3E0A-4C67-926D-378CBC8A85A4}" dt="2021-06-02T00:47:40.042" v="3400" actId="931"/>
+          <ac:spMkLst>
+            <pc:docMk/>
+            <pc:sldMk cId="4143943758" sldId="312"/>
+            <ac:spMk id="3" creationId="{8E5DDE6F-E4D0-46E8-B255-333FF532C376}"/>
+          </ac:spMkLst>
+        </pc:spChg>
+        <pc:spChg chg="add del">
+          <ac:chgData name="Lisa Caruana" userId="82ad0ee9fce88be6" providerId="LiveId" clId="{C7E20B7C-3E0A-4C67-926D-378CBC8A85A4}" dt="2021-06-02T00:48:35.802" v="3406" actId="26606"/>
+          <ac:spMkLst>
+            <pc:docMk/>
+            <pc:sldMk cId="4143943758" sldId="312"/>
+            <ac:spMk id="9" creationId="{E68D6BE9-3055-40A0-B77B-6EE63EDA80CD}"/>
+          </ac:spMkLst>
+        </pc:spChg>
+        <pc:spChg chg="add">
+          <ac:chgData name="Lisa Caruana" userId="82ad0ee9fce88be6" providerId="LiveId" clId="{C7E20B7C-3E0A-4C67-926D-378CBC8A85A4}" dt="2021-06-02T00:48:35.821" v="3407" actId="26606"/>
+          <ac:spMkLst>
+            <pc:docMk/>
+            <pc:sldMk cId="4143943758" sldId="312"/>
+            <ac:spMk id="10" creationId="{E6C8E6EB-4C59-429B-97E4-72A058CFC4FB}"/>
+          </ac:spMkLst>
+        </pc:spChg>
+        <pc:spChg chg="add del">
+          <ac:chgData name="Lisa Caruana" userId="82ad0ee9fce88be6" providerId="LiveId" clId="{C7E20B7C-3E0A-4C67-926D-378CBC8A85A4}" dt="2021-06-02T00:48:35.802" v="3406" actId="26606"/>
+          <ac:spMkLst>
+            <pc:docMk/>
+            <pc:sldMk cId="4143943758" sldId="312"/>
+            <ac:spMk id="12" creationId="{E9751CB9-7B25-4EB8-9A6F-82F822549F12}"/>
+          </ac:spMkLst>
+        </pc:spChg>
+        <pc:spChg chg="add del">
+          <ac:chgData name="Lisa Caruana" userId="82ad0ee9fce88be6" providerId="LiveId" clId="{C7E20B7C-3E0A-4C67-926D-378CBC8A85A4}" dt="2021-06-02T00:48:35.802" v="3406" actId="26606"/>
+          <ac:spMkLst>
+            <pc:docMk/>
+            <pc:sldMk cId="4143943758" sldId="312"/>
+            <ac:spMk id="14" creationId="{E1317383-CF3B-4B02-9512-BECBEF6362A4}"/>
+          </ac:spMkLst>
+        </pc:spChg>
+        <pc:spChg chg="add del">
+          <ac:chgData name="Lisa Caruana" userId="82ad0ee9fce88be6" providerId="LiveId" clId="{C7E20B7C-3E0A-4C67-926D-378CBC8A85A4}" dt="2021-06-02T00:48:35.802" v="3406" actId="26606"/>
+          <ac:spMkLst>
+            <pc:docMk/>
+            <pc:sldMk cId="4143943758" sldId="312"/>
+            <ac:spMk id="16" creationId="{B1D4C7A0-6DF2-4F2D-A45D-F111582974C7}"/>
+          </ac:spMkLst>
+        </pc:spChg>
+        <pc:spChg chg="add del">
+          <ac:chgData name="Lisa Caruana" userId="82ad0ee9fce88be6" providerId="LiveId" clId="{C7E20B7C-3E0A-4C67-926D-378CBC8A85A4}" dt="2021-06-02T00:48:35.802" v="3406" actId="26606"/>
+          <ac:spMkLst>
+            <pc:docMk/>
+            <pc:sldMk cId="4143943758" sldId="312"/>
+            <ac:spMk id="18" creationId="{DBF3943D-BCB6-4B31-809D-A005686483B4}"/>
+          </ac:spMkLst>
+        </pc:spChg>
+        <pc:spChg chg="add del">
+          <ac:chgData name="Lisa Caruana" userId="82ad0ee9fce88be6" providerId="LiveId" clId="{C7E20B7C-3E0A-4C67-926D-378CBC8A85A4}" dt="2021-06-02T00:48:35.802" v="3406" actId="26606"/>
+          <ac:spMkLst>
+            <pc:docMk/>
+            <pc:sldMk cId="4143943758" sldId="312"/>
+            <ac:spMk id="20" creationId="{39373A6F-2E1F-4613-8E1D-D68057D29F31}"/>
+          </ac:spMkLst>
+        </pc:spChg>
+        <pc:spChg chg="add">
+          <ac:chgData name="Lisa Caruana" userId="82ad0ee9fce88be6" providerId="LiveId" clId="{C7E20B7C-3E0A-4C67-926D-378CBC8A85A4}" dt="2021-06-02T00:48:35.821" v="3407" actId="26606"/>
+          <ac:spMkLst>
+            <pc:docMk/>
+            <pc:sldMk cId="4143943758" sldId="312"/>
+            <ac:spMk id="22" creationId="{B01B0E58-A5C8-4CDA-A2E0-35DF94E59857}"/>
+          </ac:spMkLst>
+        </pc:spChg>
+        <pc:spChg chg="add">
+          <ac:chgData name="Lisa Caruana" userId="82ad0ee9fce88be6" providerId="LiveId" clId="{C7E20B7C-3E0A-4C67-926D-378CBC8A85A4}" dt="2021-06-02T00:48:35.821" v="3407" actId="26606"/>
+          <ac:spMkLst>
+            <pc:docMk/>
+            <pc:sldMk cId="4143943758" sldId="312"/>
+            <ac:spMk id="23" creationId="{B5B90362-AFCC-46A9-B41C-A257A8C5B314}"/>
+          </ac:spMkLst>
+        </pc:spChg>
+        <pc:spChg chg="add">
+          <ac:chgData name="Lisa Caruana" userId="82ad0ee9fce88be6" providerId="LiveId" clId="{C7E20B7C-3E0A-4C67-926D-378CBC8A85A4}" dt="2021-06-02T00:48:35.821" v="3407" actId="26606"/>
+          <ac:spMkLst>
+            <pc:docMk/>
+            <pc:sldMk cId="4143943758" sldId="312"/>
+            <ac:spMk id="24" creationId="{F71EF7F1-38BA-471D-8CD4-2A9AE8E35527}"/>
+          </ac:spMkLst>
+        </pc:spChg>
+        <pc:spChg chg="add">
+          <ac:chgData name="Lisa Caruana" userId="82ad0ee9fce88be6" providerId="LiveId" clId="{C7E20B7C-3E0A-4C67-926D-378CBC8A85A4}" dt="2021-06-02T00:48:35.821" v="3407" actId="26606"/>
+          <ac:spMkLst>
+            <pc:docMk/>
+            <pc:sldMk cId="4143943758" sldId="312"/>
+            <ac:spMk id="25" creationId="{C0524398-BFB4-4C4A-8317-83B8729F9B26}"/>
+          </ac:spMkLst>
+        </pc:spChg>
+        <pc:spChg chg="add">
+          <ac:chgData name="Lisa Caruana" userId="82ad0ee9fce88be6" providerId="LiveId" clId="{C7E20B7C-3E0A-4C67-926D-378CBC8A85A4}" dt="2021-06-02T00:48:35.821" v="3407" actId="26606"/>
+          <ac:spMkLst>
+            <pc:docMk/>
+            <pc:sldMk cId="4143943758" sldId="312"/>
+            <ac:spMk id="26" creationId="{E08D4B6A-8113-4DFB-B82E-B60CAC8E0A50}"/>
+          </ac:spMkLst>
+        </pc:spChg>
+        <pc:spChg chg="add">
+          <ac:chgData name="Lisa Caruana" userId="82ad0ee9fce88be6" providerId="LiveId" clId="{C7E20B7C-3E0A-4C67-926D-378CBC8A85A4}" dt="2021-06-02T00:48:35.821" v="3407" actId="26606"/>
+          <ac:spMkLst>
+            <pc:docMk/>
+            <pc:sldMk cId="4143943758" sldId="312"/>
+            <ac:spMk id="27" creationId="{9822E561-F97C-4CBB-A9A6-A6BF6317BC84}"/>
+          </ac:spMkLst>
+        </pc:spChg>
+        <pc:picChg chg="add mod">
+          <ac:chgData name="Lisa Caruana" userId="82ad0ee9fce88be6" providerId="LiveId" clId="{C7E20B7C-3E0A-4C67-926D-378CBC8A85A4}" dt="2021-06-02T00:49:07.202" v="3410" actId="14100"/>
+          <ac:picMkLst>
+            <pc:docMk/>
+            <pc:sldMk cId="4143943758" sldId="312"/>
+            <ac:picMk id="5" creationId="{0D6AAFB6-24A4-4494-9312-E8808556CA71}"/>
+          </ac:picMkLst>
+        </pc:picChg>
       </pc:sldChg>
       <pc:sldChg chg="addSp delSp modSp new mod modClrScheme chgLayout">
-        <pc:chgData name="Lisa Caruana" userId="82ad0ee9fce88be6" providerId="LiveId" clId="{C7E20B7C-3E0A-4C67-926D-378CBC8A85A4}" dt="2021-06-01T01:44:22.691" v="3177" actId="403"/>
+        <pc:chgData name="Lisa Caruana" userId="82ad0ee9fce88be6" providerId="LiveId" clId="{C7E20B7C-3E0A-4C67-926D-378CBC8A85A4}" dt="2021-06-02T01:03:57.359" v="4360" actId="20577"/>
         <pc:sldMkLst>
           <pc:docMk/>
           <pc:sldMk cId="1085428950" sldId="313"/>
@@ -676,7 +797,7 @@
           </ac:spMkLst>
         </pc:spChg>
         <pc:spChg chg="mod ord">
-          <ac:chgData name="Lisa Caruana" userId="82ad0ee9fce88be6" providerId="LiveId" clId="{C7E20B7C-3E0A-4C67-926D-378CBC8A85A4}" dt="2021-06-01T01:41:37.936" v="3153" actId="20577"/>
+          <ac:chgData name="Lisa Caruana" userId="82ad0ee9fce88be6" providerId="LiveId" clId="{C7E20B7C-3E0A-4C67-926D-378CBC8A85A4}" dt="2021-06-02T01:03:57.359" v="4360" actId="20577"/>
           <ac:spMkLst>
             <pc:docMk/>
             <pc:sldMk cId="1085428950" sldId="313"/>
@@ -732,7 +853,7 @@
           </ac:picMkLst>
         </pc:picChg>
         <pc:picChg chg="add mod">
-          <ac:chgData name="Lisa Caruana" userId="82ad0ee9fce88be6" providerId="LiveId" clId="{C7E20B7C-3E0A-4C67-926D-378CBC8A85A4}" dt="2021-06-01T01:44:17.866" v="3172" actId="1076"/>
+          <ac:chgData name="Lisa Caruana" userId="82ad0ee9fce88be6" providerId="LiveId" clId="{C7E20B7C-3E0A-4C67-926D-378CBC8A85A4}" dt="2021-06-02T00:59:13.004" v="3963" actId="1076"/>
           <ac:picMkLst>
             <pc:docMk/>
             <pc:sldMk cId="1085428950" sldId="313"/>
@@ -757,13 +878,13 @@
         </pc:picChg>
       </pc:sldChg>
       <pc:sldChg chg="addSp delSp modSp new mod setBg setClrOvrMap">
-        <pc:chgData name="Lisa Caruana" userId="82ad0ee9fce88be6" providerId="LiveId" clId="{C7E20B7C-3E0A-4C67-926D-378CBC8A85A4}" dt="2021-06-01T01:41:05.183" v="3007" actId="20577"/>
+        <pc:chgData name="Lisa Caruana" userId="82ad0ee9fce88be6" providerId="LiveId" clId="{C7E20B7C-3E0A-4C67-926D-378CBC8A85A4}" dt="2021-06-02T01:04:17.556" v="4361" actId="27107"/>
         <pc:sldMkLst>
           <pc:docMk/>
           <pc:sldMk cId="2997626036" sldId="314"/>
         </pc:sldMkLst>
         <pc:spChg chg="mod">
-          <ac:chgData name="Lisa Caruana" userId="82ad0ee9fce88be6" providerId="LiveId" clId="{C7E20B7C-3E0A-4C67-926D-378CBC8A85A4}" dt="2021-06-01T01:38:48.753" v="2659" actId="27107"/>
+          <ac:chgData name="Lisa Caruana" userId="82ad0ee9fce88be6" providerId="LiveId" clId="{C7E20B7C-3E0A-4C67-926D-378CBC8A85A4}" dt="2021-06-02T01:04:17.556" v="4361" actId="27107"/>
           <ac:spMkLst>
             <pc:docMk/>
             <pc:sldMk cId="2997626036" sldId="314"/>
@@ -771,7 +892,7 @@
           </ac:spMkLst>
         </pc:spChg>
         <pc:spChg chg="mod">
-          <ac:chgData name="Lisa Caruana" userId="82ad0ee9fce88be6" providerId="LiveId" clId="{C7E20B7C-3E0A-4C67-926D-378CBC8A85A4}" dt="2021-06-01T01:41:05.183" v="3007" actId="20577"/>
+          <ac:chgData name="Lisa Caruana" userId="82ad0ee9fce88be6" providerId="LiveId" clId="{C7E20B7C-3E0A-4C67-926D-378CBC8A85A4}" dt="2021-06-02T01:02:20.342" v="4134" actId="20577"/>
           <ac:spMkLst>
             <pc:docMk/>
             <pc:sldMk cId="2997626036" sldId="314"/>
@@ -858,6 +979,100 @@
             <ac:picMk id="6" creationId="{A7980E47-1DA0-4948-ABD4-1A501513B902}"/>
           </ac:picMkLst>
         </pc:picChg>
+      </pc:sldChg>
+      <pc:sldChg chg="addSp delSp modSp new mod setBg setClrOvrMap">
+        <pc:chgData name="Lisa Caruana" userId="82ad0ee9fce88be6" providerId="LiveId" clId="{C7E20B7C-3E0A-4C67-926D-378CBC8A85A4}" dt="2021-06-02T01:10:31.943" v="4369" actId="27636"/>
+        <pc:sldMkLst>
+          <pc:docMk/>
+          <pc:sldMk cId="3955725811" sldId="315"/>
+        </pc:sldMkLst>
+        <pc:spChg chg="mod">
+          <ac:chgData name="Lisa Caruana" userId="82ad0ee9fce88be6" providerId="LiveId" clId="{C7E20B7C-3E0A-4C67-926D-378CBC8A85A4}" dt="2021-06-02T01:10:31.897" v="4368" actId="26606"/>
+          <ac:spMkLst>
+            <pc:docMk/>
+            <pc:sldMk cId="3955725811" sldId="315"/>
+            <ac:spMk id="2" creationId="{05319DB8-5086-4AC4-B2DF-EFE0DE053A82}"/>
+          </ac:spMkLst>
+        </pc:spChg>
+        <pc:spChg chg="mod">
+          <ac:chgData name="Lisa Caruana" userId="82ad0ee9fce88be6" providerId="LiveId" clId="{C7E20B7C-3E0A-4C67-926D-378CBC8A85A4}" dt="2021-06-02T01:10:31.943" v="4369" actId="27636"/>
+          <ac:spMkLst>
+            <pc:docMk/>
+            <pc:sldMk cId="3955725811" sldId="315"/>
+            <ac:spMk id="3" creationId="{B7857208-E911-4786-AC6F-87690E3D3EC6}"/>
+          </ac:spMkLst>
+        </pc:spChg>
+        <pc:spChg chg="add del">
+          <ac:chgData name="Lisa Caruana" userId="82ad0ee9fce88be6" providerId="LiveId" clId="{C7E20B7C-3E0A-4C67-926D-378CBC8A85A4}" dt="2021-06-02T01:10:31.882" v="4367" actId="26606"/>
+          <ac:spMkLst>
+            <pc:docMk/>
+            <pc:sldMk cId="3955725811" sldId="315"/>
+            <ac:spMk id="10" creationId="{3CED7894-4F62-4A6C-8DB5-DB5BE08E9C03}"/>
+          </ac:spMkLst>
+        </pc:spChg>
+        <pc:spChg chg="add del">
+          <ac:chgData name="Lisa Caruana" userId="82ad0ee9fce88be6" providerId="LiveId" clId="{C7E20B7C-3E0A-4C67-926D-378CBC8A85A4}" dt="2021-06-02T01:10:31.882" v="4367" actId="26606"/>
+          <ac:spMkLst>
+            <pc:docMk/>
+            <pc:sldMk cId="3955725811" sldId="315"/>
+            <ac:spMk id="12" creationId="{E536F3B4-50F6-4C52-8F76-4EB1214719DC}"/>
+          </ac:spMkLst>
+        </pc:spChg>
+        <pc:spChg chg="add">
+          <ac:chgData name="Lisa Caruana" userId="82ad0ee9fce88be6" providerId="LiveId" clId="{C7E20B7C-3E0A-4C67-926D-378CBC8A85A4}" dt="2021-06-02T01:10:31.897" v="4368" actId="26606"/>
+          <ac:spMkLst>
+            <pc:docMk/>
+            <pc:sldMk cId="3955725811" sldId="315"/>
+            <ac:spMk id="14" creationId="{10058680-D07C-4893-B2B7-91543F18AB32}"/>
+          </ac:spMkLst>
+        </pc:spChg>
+        <pc:spChg chg="add">
+          <ac:chgData name="Lisa Caruana" userId="82ad0ee9fce88be6" providerId="LiveId" clId="{C7E20B7C-3E0A-4C67-926D-378CBC8A85A4}" dt="2021-06-02T01:10:31.897" v="4368" actId="26606"/>
+          <ac:spMkLst>
+            <pc:docMk/>
+            <pc:sldMk cId="3955725811" sldId="315"/>
+            <ac:spMk id="15" creationId="{1BB56EB9-078F-4952-AC1F-149C7A0AE4D5}"/>
+          </ac:spMkLst>
+        </pc:spChg>
+        <pc:spChg chg="add">
+          <ac:chgData name="Lisa Caruana" userId="82ad0ee9fce88be6" providerId="LiveId" clId="{C7E20B7C-3E0A-4C67-926D-378CBC8A85A4}" dt="2021-06-02T01:10:31.897" v="4368" actId="26606"/>
+          <ac:spMkLst>
+            <pc:docMk/>
+            <pc:sldMk cId="3955725811" sldId="315"/>
+            <ac:spMk id="16" creationId="{7B42427A-0A1F-4A55-8705-D9179F1E0CFB}"/>
+          </ac:spMkLst>
+        </pc:spChg>
+        <pc:spChg chg="add">
+          <ac:chgData name="Lisa Caruana" userId="82ad0ee9fce88be6" providerId="LiveId" clId="{C7E20B7C-3E0A-4C67-926D-378CBC8A85A4}" dt="2021-06-02T01:10:31.897" v="4368" actId="26606"/>
+          <ac:spMkLst>
+            <pc:docMk/>
+            <pc:sldMk cId="3955725811" sldId="315"/>
+            <ac:spMk id="17" creationId="{D3772EE4-ED5E-4D3A-A306-B22CF866786D}"/>
+          </ac:spMkLst>
+        </pc:spChg>
+        <pc:spChg chg="add">
+          <ac:chgData name="Lisa Caruana" userId="82ad0ee9fce88be6" providerId="LiveId" clId="{C7E20B7C-3E0A-4C67-926D-378CBC8A85A4}" dt="2021-06-02T01:10:31.897" v="4368" actId="26606"/>
+          <ac:spMkLst>
+            <pc:docMk/>
+            <pc:sldMk cId="3955725811" sldId="315"/>
+            <ac:spMk id="18" creationId="{EE54A6FE-D8CB-48A3-900B-053D4EBD3B85}"/>
+          </ac:spMkLst>
+        </pc:spChg>
+        <pc:picChg chg="add mod">
+          <ac:chgData name="Lisa Caruana" userId="82ad0ee9fce88be6" providerId="LiveId" clId="{C7E20B7C-3E0A-4C67-926D-378CBC8A85A4}" dt="2021-06-02T01:10:31.897" v="4368" actId="26606"/>
+          <ac:picMkLst>
+            <pc:docMk/>
+            <pc:sldMk cId="3955725811" sldId="315"/>
+            <ac:picMk id="5" creationId="{007775FC-A59E-48E5-B14B-74EAF9CE10DF}"/>
+          </ac:picMkLst>
+        </pc:picChg>
+      </pc:sldChg>
+      <pc:sldChg chg="add">
+        <pc:chgData name="Lisa Caruana" userId="82ad0ee9fce88be6" providerId="LiveId" clId="{C7E20B7C-3E0A-4C67-926D-378CBC8A85A4}" dt="2021-06-02T00:51:01.566" v="3421"/>
+        <pc:sldMkLst>
+          <pc:docMk/>
+          <pc:sldMk cId="3388403518" sldId="316"/>
+        </pc:sldMkLst>
       </pc:sldChg>
     </pc:docChg>
   </pc:docChgLst>
@@ -3694,7 +3909,7 @@
           <a:p>
             <a:fld id="{078DDDEA-63BC-40A0-8BC0-D6413F38691F}" type="datetimeFigureOut">
               <a:rPr lang="en-US" smtClean="0"/>
-              <a:t>5/31/2021</a:t>
+              <a:t>6/1/2021</a:t>
             </a:fld>
             <a:endParaRPr lang="en-US" dirty="0"/>
           </a:p>
@@ -4343,7 +4558,7 @@
           <a:p>
             <a:fld id="{ED291B17-9318-49DB-B28B-6E5994AE9581}" type="datetime1">
               <a:rPr lang="en-US" smtClean="0"/>
-              <a:t>5/31/2021</a:t>
+              <a:t>6/1/2021</a:t>
             </a:fld>
             <a:endParaRPr lang="en-US" dirty="0"/>
           </a:p>
@@ -4541,7 +4756,7 @@
           <a:p>
             <a:fld id="{78DD82B9-B8EE-4375-B6FF-88FA6ABB15D9}" type="datetime1">
               <a:rPr lang="en-US" smtClean="0"/>
-              <a:t>5/31/2021</a:t>
+              <a:t>6/1/2021</a:t>
             </a:fld>
             <a:endParaRPr lang="en-US" dirty="0"/>
           </a:p>
@@ -4853,7 +5068,7 @@
           <a:p>
             <a:fld id="{B2497495-0637-405E-AE64-5CC7506D51F5}" type="datetime1">
               <a:rPr lang="en-US" smtClean="0"/>
-              <a:t>5/31/2021</a:t>
+              <a:t>6/1/2021</a:t>
             </a:fld>
             <a:endParaRPr lang="en-US" dirty="0"/>
           </a:p>
@@ -5106,7 +5321,7 @@
           <a:p>
             <a:fld id="{7BFFD690-9426-415D-8B65-26881E07B2D4}" type="datetime1">
               <a:rPr lang="en-US" smtClean="0"/>
-              <a:t>5/31/2021</a:t>
+              <a:t>6/1/2021</a:t>
             </a:fld>
             <a:endParaRPr lang="en-US" dirty="0"/>
           </a:p>
@@ -5528,7 +5743,7 @@
           <a:p>
             <a:fld id="{04C4989A-474C-40DE-95B9-011C28B71673}" type="datetime1">
               <a:rPr lang="en-US" smtClean="0"/>
-              <a:t>5/31/2021</a:t>
+              <a:t>6/1/2021</a:t>
             </a:fld>
             <a:endParaRPr lang="en-US" dirty="0"/>
           </a:p>
@@ -5651,7 +5866,7 @@
           <a:p>
             <a:fld id="{5DB4ED54-5B5E-4A04-93D3-5772E3CE3818}" type="datetime1">
               <a:rPr lang="en-US" smtClean="0"/>
-              <a:t>5/31/2021</a:t>
+              <a:t>6/1/2021</a:t>
             </a:fld>
             <a:endParaRPr lang="en-US" dirty="0"/>
           </a:p>
@@ -5746,7 +5961,7 @@
           <a:p>
             <a:fld id="{4EDE50D6-574B-40AF-946F-D52A04ADE379}" type="datetime1">
               <a:rPr lang="en-US" smtClean="0"/>
-              <a:t>5/31/2021</a:t>
+              <a:t>6/1/2021</a:t>
             </a:fld>
             <a:endParaRPr lang="en-US" dirty="0"/>
           </a:p>
@@ -6123,7 +6338,7 @@
           <a:p>
             <a:fld id="{D82884F1-FFEA-405F-9602-3DCA865EDA4E}" type="datetime1">
               <a:rPr lang="en-US" smtClean="0"/>
-              <a:t>5/31/2021</a:t>
+              <a:t>6/1/2021</a:t>
             </a:fld>
             <a:endParaRPr lang="en-US" dirty="0"/>
           </a:p>
@@ -6416,7 +6631,7 @@
           <a:p>
             <a:fld id="{7E18DB4A-8810-4A10-AD5C-D5E2C667F5B3}" type="datetime1">
               <a:rPr lang="en-US" smtClean="0"/>
-              <a:t>5/31/2021</a:t>
+              <a:t>6/1/2021</a:t>
             </a:fld>
             <a:endParaRPr lang="en-US" dirty="0"/>
           </a:p>
@@ -6631,7 +6846,7 @@
           <a:p>
             <a:fld id="{ED291B17-9318-49DB-B28B-6E5994AE9581}" type="datetime1">
               <a:rPr lang="en-US" smtClean="0"/>
-              <a:t>5/31/2021</a:t>
+              <a:t>6/1/2021</a:t>
             </a:fld>
             <a:endParaRPr lang="en-US" dirty="0"/>
           </a:p>
@@ -7517,15 +7732,7 @@
             </a:r>
             <a:r>
               <a:rPr lang="en-US" dirty="0"/>
-              <a:t>, Spencer Davis, Jason Sheridan, Lisa Caruana, </a:t>
-            </a:r>
-            <a:r>
-              <a:rPr lang="en-US" dirty="0" err="1"/>
-              <a:t>Baylie</a:t>
-            </a:r>
-            <a:r>
-              <a:rPr lang="en-US" dirty="0"/>
-              <a:t> Taber </a:t>
+              <a:t>, Spencer Davis, Jason Sheridan, Lisa Caruana, Bailey Taber </a:t>
             </a:r>
           </a:p>
           <a:p>
@@ -7553,6 +7760,648 @@
     <p:extLst>
       <p:ext uri="{BB962C8B-B14F-4D97-AF65-F5344CB8AC3E}">
         <p14:creationId xmlns:p14="http://schemas.microsoft.com/office/powerpoint/2010/main" val="1205248810"/>
+      </p:ext>
+    </p:extLst>
+  </p:cSld>
+  <p:clrMapOvr>
+    <a:overrideClrMapping bg1="dk1" tx1="lt1" bg2="dk2" tx2="lt2" accent1="accent1" accent2="accent2" accent3="accent3" accent4="accent4" accent5="accent5" accent6="accent6" hlink="hlink" folHlink="folHlink"/>
+  </p:clrMapOvr>
+</p:sld>
+</file>
+
+<file path=ppt/slides/slide10.xml><?xml version="1.0" encoding="utf-8"?>
+<p:sld xmlns:a="http://schemas.openxmlformats.org/drawingml/2006/main" xmlns:r="http://schemas.openxmlformats.org/officeDocument/2006/relationships" xmlns:p="http://schemas.openxmlformats.org/presentationml/2006/main">
+  <p:cSld>
+    <p:bg>
+      <p:bgPr>
+        <a:solidFill>
+          <a:schemeClr val="bg2"/>
+        </a:solidFill>
+        <a:effectLst/>
+      </p:bgPr>
+    </p:bg>
+    <p:spTree>
+      <p:nvGrpSpPr>
+        <p:cNvPr id="1" name=""/>
+        <p:cNvGrpSpPr/>
+        <p:nvPr/>
+      </p:nvGrpSpPr>
+      <p:grpSpPr>
+        <a:xfrm>
+          <a:off x="0" y="0"/>
+          <a:ext cx="0" cy="0"/>
+          <a:chOff x="0" y="0"/>
+          <a:chExt cx="0" cy="0"/>
+        </a:xfrm>
+      </p:grpSpPr>
+      <p:sp>
+        <p:nvSpPr>
+          <p:cNvPr id="11" name="Rectangle 10">
+            <a:extLst>
+              <a:ext uri="{FF2B5EF4-FFF2-40B4-BE49-F238E27FC236}">
+                <a16:creationId xmlns:a16="http://schemas.microsoft.com/office/drawing/2014/main" id="{DD651B61-325E-4E73-8445-38B0DE8AAAB6}"/>
+              </a:ext>
+              <a:ext uri="{C183D7F6-B498-43B3-948B-1728B52AA6E4}">
+                <adec:decorative xmlns:adec="http://schemas.microsoft.com/office/drawing/2017/decorative" val="1"/>
+              </a:ext>
+            </a:extLst>
+          </p:cNvPr>
+          <p:cNvSpPr>
+            <a:spLocks noGrp="1" noRot="1" noChangeAspect="1" noMove="1" noResize="1" noEditPoints="1" noAdjustHandles="1" noChangeArrowheads="1" noChangeShapeType="1" noTextEdit="1"/>
+          </p:cNvSpPr>
+          <p:nvPr>
+            <p:extLst>
+              <p:ext uri="{386F3935-93C4-4BCD-93E2-E3B085C9AB24}">
+                <p16:designElem xmlns:p16="http://schemas.microsoft.com/office/powerpoint/2015/main" val="1"/>
+              </p:ext>
+            </p:extLst>
+          </p:nvPr>
+        </p:nvSpPr>
+        <p:spPr>
+          <a:xfrm>
+            <a:off x="446534" y="457200"/>
+            <a:ext cx="3703320" cy="94997"/>
+          </a:xfrm>
+          <a:prstGeom prst="rect">
+            <a:avLst/>
+          </a:prstGeom>
+          <a:solidFill>
+            <a:srgbClr val="465359"/>
+          </a:solidFill>
+          <a:ln>
+            <a:noFill/>
+          </a:ln>
+          <a:effectLst/>
+        </p:spPr>
+        <p:style>
+          <a:lnRef idx="1">
+            <a:schemeClr val="accent1"/>
+          </a:lnRef>
+          <a:fillRef idx="3">
+            <a:schemeClr val="accent1"/>
+          </a:fillRef>
+          <a:effectRef idx="2">
+            <a:schemeClr val="accent1"/>
+          </a:effectRef>
+          <a:fontRef idx="minor">
+            <a:schemeClr val="lt1"/>
+          </a:fontRef>
+        </p:style>
+      </p:sp>
+      <p:sp>
+        <p:nvSpPr>
+          <p:cNvPr id="13" name="Rectangle 12">
+            <a:extLst>
+              <a:ext uri="{FF2B5EF4-FFF2-40B4-BE49-F238E27FC236}">
+                <a16:creationId xmlns:a16="http://schemas.microsoft.com/office/drawing/2014/main" id="{B42E5253-D3AC-4AC2-B766-8B34F13C2F5E}"/>
+              </a:ext>
+              <a:ext uri="{C183D7F6-B498-43B3-948B-1728B52AA6E4}">
+                <adec:decorative xmlns:adec="http://schemas.microsoft.com/office/drawing/2017/decorative" val="1"/>
+              </a:ext>
+            </a:extLst>
+          </p:cNvPr>
+          <p:cNvSpPr>
+            <a:spLocks noGrp="1" noRot="1" noChangeAspect="1" noMove="1" noResize="1" noEditPoints="1" noAdjustHandles="1" noChangeArrowheads="1" noChangeShapeType="1" noTextEdit="1"/>
+          </p:cNvSpPr>
+          <p:nvPr>
+            <p:extLst>
+              <p:ext uri="{386F3935-93C4-4BCD-93E2-E3B085C9AB24}">
+                <p16:designElem xmlns:p16="http://schemas.microsoft.com/office/powerpoint/2015/main" val="1"/>
+              </p:ext>
+            </p:extLst>
+          </p:nvPr>
+        </p:nvSpPr>
+        <p:spPr>
+          <a:xfrm>
+            <a:off x="8042147" y="453643"/>
+            <a:ext cx="3703320" cy="98554"/>
+          </a:xfrm>
+          <a:prstGeom prst="rect">
+            <a:avLst/>
+          </a:prstGeom>
+          <a:solidFill>
+            <a:srgbClr val="969FA7"/>
+          </a:solidFill>
+          <a:ln>
+            <a:noFill/>
+          </a:ln>
+          <a:effectLst/>
+        </p:spPr>
+        <p:style>
+          <a:lnRef idx="1">
+            <a:schemeClr val="accent1"/>
+          </a:lnRef>
+          <a:fillRef idx="3">
+            <a:schemeClr val="accent1"/>
+          </a:fillRef>
+          <a:effectRef idx="2">
+            <a:schemeClr val="accent1"/>
+          </a:effectRef>
+          <a:fontRef idx="minor">
+            <a:schemeClr val="lt1"/>
+          </a:fontRef>
+        </p:style>
+      </p:sp>
+      <p:sp>
+        <p:nvSpPr>
+          <p:cNvPr id="15" name="Rectangle 14">
+            <a:extLst>
+              <a:ext uri="{FF2B5EF4-FFF2-40B4-BE49-F238E27FC236}">
+                <a16:creationId xmlns:a16="http://schemas.microsoft.com/office/drawing/2014/main" id="{10AE8D57-436A-4073-9A75-15BB5949F8B4}"/>
+              </a:ext>
+              <a:ext uri="{C183D7F6-B498-43B3-948B-1728B52AA6E4}">
+                <adec:decorative xmlns:adec="http://schemas.microsoft.com/office/drawing/2017/decorative" val="1"/>
+              </a:ext>
+            </a:extLst>
+          </p:cNvPr>
+          <p:cNvSpPr>
+            <a:spLocks noGrp="1" noRot="1" noChangeAspect="1" noMove="1" noResize="1" noEditPoints="1" noAdjustHandles="1" noChangeArrowheads="1" noChangeShapeType="1" noTextEdit="1"/>
+          </p:cNvSpPr>
+          <p:nvPr>
+            <p:extLst>
+              <p:ext uri="{386F3935-93C4-4BCD-93E2-E3B085C9AB24}">
+                <p16:designElem xmlns:p16="http://schemas.microsoft.com/office/powerpoint/2015/main" val="1"/>
+              </p:ext>
+            </p:extLst>
+          </p:nvPr>
+        </p:nvSpPr>
+        <p:spPr>
+          <a:xfrm>
+            <a:off x="4241830" y="457200"/>
+            <a:ext cx="3703320" cy="91440"/>
+          </a:xfrm>
+          <a:prstGeom prst="rect">
+            <a:avLst/>
+          </a:prstGeom>
+          <a:solidFill>
+            <a:schemeClr val="accent1"/>
+          </a:solidFill>
+          <a:ln>
+            <a:noFill/>
+          </a:ln>
+          <a:effectLst/>
+        </p:spPr>
+        <p:style>
+          <a:lnRef idx="1">
+            <a:schemeClr val="accent1"/>
+          </a:lnRef>
+          <a:fillRef idx="3">
+            <a:schemeClr val="accent1"/>
+          </a:fillRef>
+          <a:effectRef idx="2">
+            <a:schemeClr val="accent1"/>
+          </a:effectRef>
+          <a:fontRef idx="minor">
+            <a:schemeClr val="lt1"/>
+          </a:fontRef>
+        </p:style>
+      </p:sp>
+      <p:sp>
+        <p:nvSpPr>
+          <p:cNvPr id="17" name="Rectangle 16">
+            <a:extLst>
+              <a:ext uri="{FF2B5EF4-FFF2-40B4-BE49-F238E27FC236}">
+                <a16:creationId xmlns:a16="http://schemas.microsoft.com/office/drawing/2014/main" id="{88C97474-5879-4DB5-B4F3-F0357104BC8E}"/>
+              </a:ext>
+              <a:ext uri="{C183D7F6-B498-43B3-948B-1728B52AA6E4}">
+                <adec:decorative xmlns:adec="http://schemas.microsoft.com/office/drawing/2017/decorative" val="1"/>
+              </a:ext>
+            </a:extLst>
+          </p:cNvPr>
+          <p:cNvSpPr>
+            <a:spLocks noGrp="1" noRot="1" noChangeAspect="1" noMove="1" noResize="1" noEditPoints="1" noAdjustHandles="1" noChangeArrowheads="1" noChangeShapeType="1" noTextEdit="1"/>
+          </p:cNvSpPr>
+          <p:nvPr>
+            <p:extLst>
+              <p:ext uri="{386F3935-93C4-4BCD-93E2-E3B085C9AB24}">
+                <p16:designElem xmlns:p16="http://schemas.microsoft.com/office/powerpoint/2015/main" val="1"/>
+              </p:ext>
+            </p:extLst>
+          </p:nvPr>
+        </p:nvSpPr>
+        <p:spPr>
+          <a:xfrm>
+            <a:off x="0" y="0"/>
+            <a:ext cx="12192000" cy="6858000"/>
+          </a:xfrm>
+          <a:prstGeom prst="rect">
+            <a:avLst/>
+          </a:prstGeom>
+          <a:solidFill>
+            <a:schemeClr val="tx1"/>
+          </a:solidFill>
+          <a:ln>
+            <a:noFill/>
+          </a:ln>
+        </p:spPr>
+        <p:style>
+          <a:lnRef idx="2">
+            <a:schemeClr val="accent1">
+              <a:shade val="50000"/>
+            </a:schemeClr>
+          </a:lnRef>
+          <a:fillRef idx="1">
+            <a:schemeClr val="accent1"/>
+          </a:fillRef>
+          <a:effectRef idx="0">
+            <a:schemeClr val="accent1"/>
+          </a:effectRef>
+          <a:fontRef idx="minor">
+            <a:schemeClr val="lt1"/>
+          </a:fontRef>
+        </p:style>
+        <p:txBody>
+          <a:bodyPr rtlCol="0" anchor="ctr"/>
+          <a:lstStyle/>
+          <a:p>
+            <a:pPr algn="ctr"/>
+            <a:endParaRPr lang="en-US"/>
+          </a:p>
+        </p:txBody>
+      </p:sp>
+      <p:sp>
+        <p:nvSpPr>
+          <p:cNvPr id="19" name="Rectangle 18">
+            <a:extLst>
+              <a:ext uri="{FF2B5EF4-FFF2-40B4-BE49-F238E27FC236}">
+                <a16:creationId xmlns:a16="http://schemas.microsoft.com/office/drawing/2014/main" id="{7D2AF00E-D433-4047-863F-BCB69CEC3C35}"/>
+              </a:ext>
+              <a:ext uri="{C183D7F6-B498-43B3-948B-1728B52AA6E4}">
+                <adec:decorative xmlns:adec="http://schemas.microsoft.com/office/drawing/2017/decorative" val="1"/>
+              </a:ext>
+            </a:extLst>
+          </p:cNvPr>
+          <p:cNvSpPr>
+            <a:spLocks noGrp="1" noRot="1" noChangeAspect="1" noMove="1" noResize="1" noEditPoints="1" noAdjustHandles="1" noChangeArrowheads="1" noChangeShapeType="1" noTextEdit="1"/>
+          </p:cNvSpPr>
+          <p:nvPr>
+            <p:extLst>
+              <p:ext uri="{386F3935-93C4-4BCD-93E2-E3B085C9AB24}">
+                <p16:designElem xmlns:p16="http://schemas.microsoft.com/office/powerpoint/2015/main" val="1"/>
+              </p:ext>
+            </p:extLst>
+          </p:nvPr>
+        </p:nvSpPr>
+        <p:spPr>
+          <a:xfrm>
+            <a:off x="451588" y="601200"/>
+            <a:ext cx="7498616" cy="5789365"/>
+          </a:xfrm>
+          <a:prstGeom prst="rect">
+            <a:avLst/>
+          </a:prstGeom>
+          <a:solidFill>
+            <a:srgbClr val="465359"/>
+          </a:solidFill>
+          <a:ln>
+            <a:noFill/>
+          </a:ln>
+          <a:effectLst/>
+        </p:spPr>
+        <p:style>
+          <a:lnRef idx="1">
+            <a:schemeClr val="accent1"/>
+          </a:lnRef>
+          <a:fillRef idx="3">
+            <a:schemeClr val="accent1"/>
+          </a:fillRef>
+          <a:effectRef idx="2">
+            <a:schemeClr val="accent1"/>
+          </a:effectRef>
+          <a:fontRef idx="minor">
+            <a:schemeClr val="lt1"/>
+          </a:fontRef>
+        </p:style>
+      </p:sp>
+      <p:sp>
+        <p:nvSpPr>
+          <p:cNvPr id="2" name="Title 1">
+            <a:extLst>
+              <a:ext uri="{FF2B5EF4-FFF2-40B4-BE49-F238E27FC236}">
+                <a16:creationId xmlns:a16="http://schemas.microsoft.com/office/drawing/2014/main" id="{11806C35-E2E3-4D85-842B-D6C733F78C1B}"/>
+              </a:ext>
+            </a:extLst>
+          </p:cNvPr>
+          <p:cNvSpPr>
+            <a:spLocks noGrp="1"/>
+          </p:cNvSpPr>
+          <p:nvPr>
+            <p:ph type="title"/>
+          </p:nvPr>
+        </p:nvSpPr>
+        <p:spPr>
+          <a:xfrm>
+            <a:off x="807559" y="938022"/>
+            <a:ext cx="6647905" cy="1188720"/>
+          </a:xfrm>
+        </p:spPr>
+        <p:txBody>
+          <a:bodyPr vert="horz" lIns="91440" tIns="45720" rIns="91440" bIns="45720" rtlCol="0" anchor="b">
+            <a:normAutofit/>
+          </a:bodyPr>
+          <a:lstStyle/>
+          <a:p>
+            <a:r>
+              <a:rPr lang="en-US" dirty="0">
+                <a:solidFill>
+                  <a:srgbClr val="FFFFFF"/>
+                </a:solidFill>
+              </a:rPr>
+              <a:t>Where to from here </a:t>
+            </a:r>
+          </a:p>
+        </p:txBody>
+      </p:sp>
+      <p:sp>
+        <p:nvSpPr>
+          <p:cNvPr id="21" name="Rectangle 20">
+            <a:extLst>
+              <a:ext uri="{FF2B5EF4-FFF2-40B4-BE49-F238E27FC236}">
+                <a16:creationId xmlns:a16="http://schemas.microsoft.com/office/drawing/2014/main" id="{0997DBEA-6DFC-457A-9850-E535053549D6}"/>
+              </a:ext>
+              <a:ext uri="{C183D7F6-B498-43B3-948B-1728B52AA6E4}">
+                <adec:decorative xmlns:adec="http://schemas.microsoft.com/office/drawing/2017/decorative" val="1"/>
+              </a:ext>
+            </a:extLst>
+          </p:cNvPr>
+          <p:cNvSpPr>
+            <a:spLocks noGrp="1" noRot="1" noChangeAspect="1" noMove="1" noResize="1" noEditPoints="1" noAdjustHandles="1" noChangeArrowheads="1" noChangeShapeType="1" noTextEdit="1"/>
+          </p:cNvSpPr>
+          <p:nvPr>
+            <p:extLst>
+              <p:ext uri="{386F3935-93C4-4BCD-93E2-E3B085C9AB24}">
+                <p16:designElem xmlns:p16="http://schemas.microsoft.com/office/powerpoint/2015/main" val="1"/>
+              </p:ext>
+            </p:extLst>
+          </p:nvPr>
+        </p:nvSpPr>
+        <p:spPr>
+          <a:xfrm>
+            <a:off x="446534" y="457200"/>
+            <a:ext cx="3703320" cy="94997"/>
+          </a:xfrm>
+          <a:prstGeom prst="rect">
+            <a:avLst/>
+          </a:prstGeom>
+          <a:solidFill>
+            <a:srgbClr val="465359"/>
+          </a:solidFill>
+          <a:ln>
+            <a:noFill/>
+          </a:ln>
+          <a:effectLst/>
+        </p:spPr>
+        <p:style>
+          <a:lnRef idx="1">
+            <a:schemeClr val="accent1"/>
+          </a:lnRef>
+          <a:fillRef idx="3">
+            <a:schemeClr val="accent1"/>
+          </a:fillRef>
+          <a:effectRef idx="2">
+            <a:schemeClr val="accent1"/>
+          </a:effectRef>
+          <a:fontRef idx="minor">
+            <a:schemeClr val="lt1"/>
+          </a:fontRef>
+        </p:style>
+      </p:sp>
+      <p:sp>
+        <p:nvSpPr>
+          <p:cNvPr id="23" name="Rectangle 22">
+            <a:extLst>
+              <a:ext uri="{FF2B5EF4-FFF2-40B4-BE49-F238E27FC236}">
+                <a16:creationId xmlns:a16="http://schemas.microsoft.com/office/drawing/2014/main" id="{79446CF5-953A-4916-BFF4-F5558E5C2359}"/>
+              </a:ext>
+              <a:ext uri="{C183D7F6-B498-43B3-948B-1728B52AA6E4}">
+                <adec:decorative xmlns:adec="http://schemas.microsoft.com/office/drawing/2017/decorative" val="1"/>
+              </a:ext>
+            </a:extLst>
+          </p:cNvPr>
+          <p:cNvSpPr>
+            <a:spLocks noGrp="1" noRot="1" noChangeAspect="1" noMove="1" noResize="1" noEditPoints="1" noAdjustHandles="1" noChangeArrowheads="1" noChangeShapeType="1" noTextEdit="1"/>
+          </p:cNvSpPr>
+          <p:nvPr>
+            <p:extLst>
+              <p:ext uri="{386F3935-93C4-4BCD-93E2-E3B085C9AB24}">
+                <p16:designElem xmlns:p16="http://schemas.microsoft.com/office/powerpoint/2015/main" val="1"/>
+              </p:ext>
+            </p:extLst>
+          </p:nvPr>
+        </p:nvSpPr>
+        <p:spPr>
+          <a:xfrm>
+            <a:off x="4241830" y="457200"/>
+            <a:ext cx="3703320" cy="91440"/>
+          </a:xfrm>
+          <a:prstGeom prst="rect">
+            <a:avLst/>
+          </a:prstGeom>
+          <a:solidFill>
+            <a:schemeClr val="accent1"/>
+          </a:solidFill>
+          <a:ln>
+            <a:noFill/>
+          </a:ln>
+          <a:effectLst/>
+        </p:spPr>
+        <p:style>
+          <a:lnRef idx="1">
+            <a:schemeClr val="accent1"/>
+          </a:lnRef>
+          <a:fillRef idx="3">
+            <a:schemeClr val="accent1"/>
+          </a:fillRef>
+          <a:effectRef idx="2">
+            <a:schemeClr val="accent1"/>
+          </a:effectRef>
+          <a:fontRef idx="minor">
+            <a:schemeClr val="lt1"/>
+          </a:fontRef>
+        </p:style>
+      </p:sp>
+      <p:sp>
+        <p:nvSpPr>
+          <p:cNvPr id="25" name="Rectangle 24">
+            <a:extLst>
+              <a:ext uri="{FF2B5EF4-FFF2-40B4-BE49-F238E27FC236}">
+                <a16:creationId xmlns:a16="http://schemas.microsoft.com/office/drawing/2014/main" id="{477B945C-B433-4DFF-9A67-A5C9257E471C}"/>
+              </a:ext>
+              <a:ext uri="{C183D7F6-B498-43B3-948B-1728B52AA6E4}">
+                <adec:decorative xmlns:adec="http://schemas.microsoft.com/office/drawing/2017/decorative" val="1"/>
+              </a:ext>
+            </a:extLst>
+          </p:cNvPr>
+          <p:cNvSpPr>
+            <a:spLocks noGrp="1" noRot="1" noChangeAspect="1" noMove="1" noResize="1" noEditPoints="1" noAdjustHandles="1" noChangeArrowheads="1" noChangeShapeType="1" noTextEdit="1"/>
+          </p:cNvSpPr>
+          <p:nvPr>
+            <p:extLst>
+              <p:ext uri="{386F3935-93C4-4BCD-93E2-E3B085C9AB24}">
+                <p16:designElem xmlns:p16="http://schemas.microsoft.com/office/powerpoint/2015/main" val="1"/>
+              </p:ext>
+            </p:extLst>
+          </p:nvPr>
+        </p:nvSpPr>
+        <p:spPr>
+          <a:xfrm>
+            <a:off x="8042147" y="453643"/>
+            <a:ext cx="3703320" cy="98554"/>
+          </a:xfrm>
+          <a:prstGeom prst="rect">
+            <a:avLst/>
+          </a:prstGeom>
+          <a:solidFill>
+            <a:srgbClr val="969FA7"/>
+          </a:solidFill>
+          <a:ln>
+            <a:noFill/>
+          </a:ln>
+          <a:effectLst/>
+        </p:spPr>
+        <p:style>
+          <a:lnRef idx="1">
+            <a:schemeClr val="accent1"/>
+          </a:lnRef>
+          <a:fillRef idx="3">
+            <a:schemeClr val="accent1"/>
+          </a:fillRef>
+          <a:effectRef idx="2">
+            <a:schemeClr val="accent1"/>
+          </a:effectRef>
+          <a:fontRef idx="minor">
+            <a:schemeClr val="lt1"/>
+          </a:fontRef>
+        </p:style>
+      </p:sp>
+      <p:sp>
+        <p:nvSpPr>
+          <p:cNvPr id="3" name="Content Placeholder 2">
+            <a:extLst>
+              <a:ext uri="{FF2B5EF4-FFF2-40B4-BE49-F238E27FC236}">
+                <a16:creationId xmlns:a16="http://schemas.microsoft.com/office/drawing/2014/main" id="{A5737E26-B9F4-4D08-B249-689004FD29A6}"/>
+              </a:ext>
+            </a:extLst>
+          </p:cNvPr>
+          <p:cNvSpPr>
+            <a:spLocks noGrp="1"/>
+          </p:cNvSpPr>
+          <p:nvPr>
+            <p:ph sz="half" idx="1"/>
+          </p:nvPr>
+        </p:nvSpPr>
+        <p:spPr>
+          <a:xfrm>
+            <a:off x="807559" y="2340864"/>
+            <a:ext cx="6690843" cy="3793237"/>
+          </a:xfrm>
+        </p:spPr>
+        <p:txBody>
+          <a:bodyPr vert="horz" lIns="91440" tIns="45720" rIns="91440" bIns="45720" rtlCol="0" anchor="ctr">
+            <a:normAutofit/>
+          </a:bodyPr>
+          <a:lstStyle/>
+          <a:p>
+            <a:r>
+              <a:rPr lang="en-US" dirty="0">
+                <a:solidFill>
+                  <a:srgbClr val="FFFFFF"/>
+                </a:solidFill>
+              </a:rPr>
+              <a:t>Ideally this website should scrape for the most recent snowfall data to add to the database and incorporate analysis based in meteorology </a:t>
+            </a:r>
+          </a:p>
+          <a:p>
+            <a:r>
+              <a:rPr lang="en-US" dirty="0">
+                <a:solidFill>
+                  <a:srgbClr val="FFFFFF"/>
+                </a:solidFill>
+              </a:rPr>
+              <a:t>Include a Daily Top Ten snowfall locations bar chart</a:t>
+            </a:r>
+          </a:p>
+          <a:p>
+            <a:r>
+              <a:rPr lang="en-US" dirty="0">
+                <a:solidFill>
+                  <a:srgbClr val="FFFFFF"/>
+                </a:solidFill>
+              </a:rPr>
+              <a:t>Include markers for closest ski resorts and places to buy dog treats</a:t>
+            </a:r>
+          </a:p>
+          <a:p>
+            <a:r>
+              <a:rPr lang="en-US" dirty="0">
+                <a:solidFill>
+                  <a:srgbClr val="FFFFFF"/>
+                </a:solidFill>
+              </a:rPr>
+              <a:t>Maximize opportunities for advertising and links to partner websites for travel plans; refine user input selections</a:t>
+            </a:r>
+          </a:p>
+          <a:p>
+            <a:r>
+              <a:rPr lang="en-US" dirty="0">
+                <a:solidFill>
+                  <a:srgbClr val="FFFFFF"/>
+                </a:solidFill>
+              </a:rPr>
+              <a:t>Use dropdowns for the user input section to retain data integrity (standardized spellings, capitalizations and limit locations/activities)</a:t>
+            </a:r>
+          </a:p>
+          <a:p>
+            <a:endParaRPr lang="en-US" dirty="0">
+              <a:solidFill>
+                <a:srgbClr val="FFFFFF"/>
+              </a:solidFill>
+            </a:endParaRPr>
+          </a:p>
+        </p:txBody>
+      </p:sp>
+      <p:pic>
+        <p:nvPicPr>
+          <p:cNvPr id="6" name="Content Placeholder 5" descr="Aspiration with solid fill">
+            <a:extLst>
+              <a:ext uri="{FF2B5EF4-FFF2-40B4-BE49-F238E27FC236}">
+                <a16:creationId xmlns:a16="http://schemas.microsoft.com/office/drawing/2014/main" id="{A7980E47-1DA0-4948-ABD4-1A501513B902}"/>
+              </a:ext>
+            </a:extLst>
+          </p:cNvPr>
+          <p:cNvPicPr>
+            <a:picLocks noGrp="1" noChangeAspect="1"/>
+          </p:cNvPicPr>
+          <p:nvPr>
+            <p:ph sz="half" idx="2"/>
+          </p:nvPr>
+        </p:nvPicPr>
+        <p:blipFill>
+          <a:blip r:embed="rId2">
+            <a:extLst>
+              <a:ext uri="{96DAC541-7B7A-43D3-8B79-37D633B846F1}">
+                <asvg:svgBlip xmlns:asvg="http://schemas.microsoft.com/office/drawing/2016/SVG/main" r:embed="rId3"/>
+              </a:ext>
+            </a:extLst>
+          </a:blip>
+          <a:stretch>
+            <a:fillRect/>
+          </a:stretch>
+        </p:blipFill>
+        <p:spPr>
+          <a:xfrm>
+            <a:off x="8476761" y="2049354"/>
+            <a:ext cx="3053422" cy="3053422"/>
+          </a:xfrm>
+          <a:prstGeom prst="rect">
+            <a:avLst/>
+          </a:prstGeom>
+        </p:spPr>
+      </p:pic>
+    </p:spTree>
+    <p:extLst>
+      <p:ext uri="{BB962C8B-B14F-4D97-AF65-F5344CB8AC3E}">
+        <p14:creationId xmlns:p14="http://schemas.microsoft.com/office/powerpoint/2010/main" val="2997626036"/>
       </p:ext>
     </p:extLst>
   </p:cSld>
@@ -9122,35 +9971,648 @@
           </a:p>
         </p:txBody>
       </p:sp>
-      <p:sp>
-        <p:nvSpPr>
-          <p:cNvPr id="3" name="Content Placeholder 2">
+      <p:pic>
+        <p:nvPicPr>
+          <p:cNvPr id="4" name="Picture 3">
             <a:extLst>
               <a:ext uri="{FF2B5EF4-FFF2-40B4-BE49-F238E27FC236}">
-                <a16:creationId xmlns:a16="http://schemas.microsoft.com/office/drawing/2014/main" id="{91CC8018-58CD-464F-BB78-989E33895D3B}"/>
+                <a16:creationId xmlns:a16="http://schemas.microsoft.com/office/drawing/2014/main" id="{F2022612-9C0F-9C43-B407-068405D7ACE7}"/>
               </a:ext>
             </a:extLst>
           </p:cNvPr>
-          <p:cNvSpPr>
-            <a:spLocks noGrp="1"/>
-          </p:cNvSpPr>
+          <p:cNvPicPr>
+            <a:picLocks noChangeAspect="1"/>
+          </p:cNvPicPr>
+          <p:nvPr/>
+        </p:nvPicPr>
+        <p:blipFill>
+          <a:blip r:embed="rId2"/>
+          <a:stretch>
+            <a:fillRect/>
+          </a:stretch>
+        </p:blipFill>
+        <p:spPr>
+          <a:xfrm>
+            <a:off x="282631" y="2609274"/>
+            <a:ext cx="4767756" cy="2147068"/>
+          </a:xfrm>
+          <a:prstGeom prst="rect">
+            <a:avLst/>
+          </a:prstGeom>
+        </p:spPr>
+      </p:pic>
+      <p:pic>
+        <p:nvPicPr>
+          <p:cNvPr id="1028" name="Picture 4" descr="Amazon RDS | Cloud Relational Database | Amazon Web Services">
+            <a:extLst>
+              <a:ext uri="{FF2B5EF4-FFF2-40B4-BE49-F238E27FC236}">
+                <a16:creationId xmlns:a16="http://schemas.microsoft.com/office/drawing/2014/main" id="{120F934C-21F2-1B44-A218-043C75171131}"/>
+              </a:ext>
+            </a:extLst>
+          </p:cNvPr>
+          <p:cNvPicPr>
+            <a:picLocks noChangeAspect="1" noChangeArrowheads="1"/>
+          </p:cNvPicPr>
+          <p:nvPr/>
+        </p:nvPicPr>
+        <p:blipFill>
+          <a:blip r:embed="rId3">
+            <a:extLst>
+              <a:ext uri="{28A0092B-C50C-407E-A947-70E740481C1C}">
+                <a14:useLocalDpi xmlns:a14="http://schemas.microsoft.com/office/drawing/2010/main" val="0"/>
+              </a:ext>
+            </a:extLst>
+          </a:blip>
+          <a:srcRect/>
+          <a:stretch>
+            <a:fillRect/>
+          </a:stretch>
+        </p:blipFill>
+        <p:spPr bwMode="auto">
+          <a:xfrm>
+            <a:off x="8544797" y="2149802"/>
+            <a:ext cx="3066011" cy="3066011"/>
+          </a:xfrm>
+          <a:prstGeom prst="rect">
+            <a:avLst/>
+          </a:prstGeom>
+          <a:noFill/>
+          <a:extLst>
+            <a:ext uri="{909E8E84-426E-40DD-AFC4-6F175D3DCCD1}">
+              <a14:hiddenFill xmlns:a14="http://schemas.microsoft.com/office/drawing/2010/main">
+                <a:solidFill>
+                  <a:srgbClr val="FFFFFF"/>
+                </a:solidFill>
+              </a14:hiddenFill>
+            </a:ext>
+          </a:extLst>
+        </p:spPr>
+      </p:pic>
+      <p:pic>
+        <p:nvPicPr>
+          <p:cNvPr id="1032" name="Picture 8" descr="When Should I Use Amazon Aurora and When Should I use RDS MySQL? - Percona  Database Performance Blog">
+            <a:extLst>
+              <a:ext uri="{FF2B5EF4-FFF2-40B4-BE49-F238E27FC236}">
+                <a16:creationId xmlns:a16="http://schemas.microsoft.com/office/drawing/2014/main" id="{58BC5193-7AF5-164A-9572-E684105AA590}"/>
+              </a:ext>
+            </a:extLst>
+          </p:cNvPr>
+          <p:cNvPicPr>
+            <a:picLocks noChangeAspect="1" noChangeArrowheads="1"/>
+          </p:cNvPicPr>
+          <p:nvPr/>
+        </p:nvPicPr>
+        <p:blipFill>
+          <a:blip r:embed="rId4">
+            <a:extLst>
+              <a:ext uri="{28A0092B-C50C-407E-A947-70E740481C1C}">
+                <a14:useLocalDpi xmlns:a14="http://schemas.microsoft.com/office/drawing/2010/main" val="0"/>
+              </a:ext>
+            </a:extLst>
+          </a:blip>
+          <a:srcRect/>
+          <a:stretch>
+            <a:fillRect/>
+          </a:stretch>
+        </p:blipFill>
+        <p:spPr bwMode="auto">
+          <a:xfrm>
+            <a:off x="8851411" y="1474837"/>
+            <a:ext cx="2759397" cy="983402"/>
+          </a:xfrm>
+          <a:prstGeom prst="rect">
+            <a:avLst/>
+          </a:prstGeom>
+          <a:noFill/>
+          <a:extLst>
+            <a:ext uri="{909E8E84-426E-40DD-AFC4-6F175D3DCCD1}">
+              <a14:hiddenFill xmlns:a14="http://schemas.microsoft.com/office/drawing/2010/main">
+                <a:solidFill>
+                  <a:srgbClr val="FFFFFF"/>
+                </a:solidFill>
+              </a14:hiddenFill>
+            </a:ext>
+          </a:extLst>
+        </p:spPr>
+      </p:pic>
+      <p:pic>
+        <p:nvPicPr>
+          <p:cNvPr id="1034" name="Picture 10" descr="Gravestone Png, Transparent Background Tombstone Clipart, Transparent Png  (#6315292), PNG Images on PngArea">
+            <a:extLst>
+              <a:ext uri="{FF2B5EF4-FFF2-40B4-BE49-F238E27FC236}">
+                <a16:creationId xmlns:a16="http://schemas.microsoft.com/office/drawing/2014/main" id="{3973A3D7-8FDA-D14F-A332-D1EE730FE8D6}"/>
+              </a:ext>
+            </a:extLst>
+          </p:cNvPr>
+          <p:cNvPicPr>
+            <a:picLocks noChangeAspect="1" noChangeArrowheads="1"/>
+          </p:cNvPicPr>
+          <p:nvPr/>
+        </p:nvPicPr>
+        <p:blipFill>
+          <a:blip r:embed="rId5">
+            <a:extLst>
+              <a:ext uri="{28A0092B-C50C-407E-A947-70E740481C1C}">
+                <a14:useLocalDpi xmlns:a14="http://schemas.microsoft.com/office/drawing/2010/main" val="0"/>
+              </a:ext>
+            </a:extLst>
+          </a:blip>
+          <a:srcRect/>
+          <a:stretch>
+            <a:fillRect/>
+          </a:stretch>
+        </p:blipFill>
+        <p:spPr bwMode="auto">
+          <a:xfrm>
+            <a:off x="10533667" y="4945920"/>
+            <a:ext cx="1369933" cy="1773264"/>
+          </a:xfrm>
+          <a:prstGeom prst="rect">
+            <a:avLst/>
+          </a:prstGeom>
+          <a:noFill/>
+          <a:extLst>
+            <a:ext uri="{909E8E84-426E-40DD-AFC4-6F175D3DCCD1}">
+              <a14:hiddenFill xmlns:a14="http://schemas.microsoft.com/office/drawing/2010/main">
+                <a:solidFill>
+                  <a:srgbClr val="FFFFFF"/>
+                </a:solidFill>
+              </a14:hiddenFill>
+            </a:ext>
+          </a:extLst>
+        </p:spPr>
+      </p:pic>
+      <p:pic>
+        <p:nvPicPr>
+          <p:cNvPr id="1026" name="Picture 2" descr="Database Png Icon #244761 - Free Icons Library">
+            <a:extLst>
+              <a:ext uri="{FF2B5EF4-FFF2-40B4-BE49-F238E27FC236}">
+                <a16:creationId xmlns:a16="http://schemas.microsoft.com/office/drawing/2014/main" id="{09CFAF57-7C47-8D4B-8954-990714963708}"/>
+              </a:ext>
+            </a:extLst>
+          </p:cNvPr>
+          <p:cNvPicPr>
+            <a:picLocks noGrp="1" noChangeAspect="1" noChangeArrowheads="1"/>
+          </p:cNvPicPr>
           <p:nvPr>
             <p:ph idx="1"/>
           </p:nvPr>
-        </p:nvSpPr>
-        <p:spPr/>
+        </p:nvPicPr>
+        <p:blipFill>
+          <a:blip r:embed="rId6">
+            <a:extLst>
+              <a:ext uri="{28A0092B-C50C-407E-A947-70E740481C1C}">
+                <a14:useLocalDpi xmlns:a14="http://schemas.microsoft.com/office/drawing/2010/main" val="0"/>
+              </a:ext>
+            </a:extLst>
+          </a:blip>
+          <a:srcRect/>
+          <a:stretch>
+            <a:fillRect/>
+          </a:stretch>
+        </p:blipFill>
+        <p:spPr bwMode="auto">
+          <a:xfrm>
+            <a:off x="10934699" y="5840382"/>
+            <a:ext cx="567867" cy="699731"/>
+          </a:xfrm>
+          <a:prstGeom prst="rect">
+            <a:avLst/>
+          </a:prstGeom>
+          <a:noFill/>
+          <a:extLst>
+            <a:ext uri="{909E8E84-426E-40DD-AFC4-6F175D3DCCD1}">
+              <a14:hiddenFill xmlns:a14="http://schemas.microsoft.com/office/drawing/2010/main">
+                <a:solidFill>
+                  <a:srgbClr val="FFFFFF"/>
+                </a:solidFill>
+              </a14:hiddenFill>
+            </a:ext>
+          </a:extLst>
+        </p:spPr>
+      </p:pic>
+      <p:sp>
+        <p:nvSpPr>
+          <p:cNvPr id="5" name="TextBox 4">
+            <a:extLst>
+              <a:ext uri="{FF2B5EF4-FFF2-40B4-BE49-F238E27FC236}">
+                <a16:creationId xmlns:a16="http://schemas.microsoft.com/office/drawing/2014/main" id="{65B716DE-D005-F149-B815-ED003647D2C8}"/>
+              </a:ext>
+            </a:extLst>
+          </p:cNvPr>
+          <p:cNvSpPr txBox="1"/>
+          <p:nvPr/>
+        </p:nvSpPr>
+        <p:spPr>
+          <a:xfrm>
+            <a:off x="10695797" y="5254357"/>
+            <a:ext cx="1058400" cy="646331"/>
+          </a:xfrm>
+          <a:prstGeom prst="rect">
+            <a:avLst/>
+          </a:prstGeom>
+          <a:noFill/>
+        </p:spPr>
         <p:txBody>
-          <a:bodyPr/>
+          <a:bodyPr wrap="square" rtlCol="0">
+            <a:spAutoFit/>
+          </a:bodyPr>
           <a:lstStyle/>
           <a:p>
+            <a:r>
+              <a:rPr lang="en-US" sz="1200" dirty="0"/>
+              <a:t>RIP Heroku</a:t>
+            </a:r>
+            <a:br>
+              <a:rPr lang="en-US" sz="1200" dirty="0"/>
+            </a:br>
+            <a:r>
+              <a:rPr lang="en-US" sz="1200" dirty="0"/>
+              <a:t>“</a:t>
+            </a:r>
+            <a:r>
+              <a:rPr lang="en-US" sz="1200" i="1" dirty="0"/>
+              <a:t>gone too soon”</a:t>
+            </a:r>
+            <a:endParaRPr lang="en-US" sz="1200" dirty="0"/>
+          </a:p>
+        </p:txBody>
+      </p:sp>
+      <p:pic>
+        <p:nvPicPr>
+          <p:cNvPr id="1036" name="Picture 12" descr="Decision Tree Icons - Download Free Vector Icons | Noun Project">
+            <a:extLst>
+              <a:ext uri="{FF2B5EF4-FFF2-40B4-BE49-F238E27FC236}">
+                <a16:creationId xmlns:a16="http://schemas.microsoft.com/office/drawing/2014/main" id="{73104CFE-C79A-3A4F-9E9D-DFD9F8C62A0A}"/>
+              </a:ext>
+            </a:extLst>
+          </p:cNvPr>
+          <p:cNvPicPr>
+            <a:picLocks noChangeAspect="1" noChangeArrowheads="1"/>
+          </p:cNvPicPr>
+          <p:nvPr/>
+        </p:nvPicPr>
+        <p:blipFill>
+          <a:blip r:embed="rId7">
+            <a:extLst>
+              <a:ext uri="{28A0092B-C50C-407E-A947-70E740481C1C}">
+                <a14:useLocalDpi xmlns:a14="http://schemas.microsoft.com/office/drawing/2010/main" val="0"/>
+              </a:ext>
+            </a:extLst>
+          </a:blip>
+          <a:srcRect/>
+          <a:stretch>
+            <a:fillRect/>
+          </a:stretch>
+        </p:blipFill>
+        <p:spPr bwMode="auto">
+          <a:xfrm rot="16200000">
+            <a:off x="5686223" y="960620"/>
+            <a:ext cx="1289455" cy="1289455"/>
+          </a:xfrm>
+          <a:prstGeom prst="rect">
+            <a:avLst/>
+          </a:prstGeom>
+          <a:noFill/>
+          <a:extLst>
+            <a:ext uri="{909E8E84-426E-40DD-AFC4-6F175D3DCCD1}">
+              <a14:hiddenFill xmlns:a14="http://schemas.microsoft.com/office/drawing/2010/main">
+                <a:solidFill>
+                  <a:srgbClr val="FFFFFF"/>
+                </a:solidFill>
+              </a14:hiddenFill>
+            </a:ext>
+          </a:extLst>
+        </p:spPr>
+      </p:pic>
+      <p:sp>
+        <p:nvSpPr>
+          <p:cNvPr id="11" name="Bent-Up Arrow 10">
+            <a:extLst>
+              <a:ext uri="{FF2B5EF4-FFF2-40B4-BE49-F238E27FC236}">
+                <a16:creationId xmlns:a16="http://schemas.microsoft.com/office/drawing/2014/main" id="{6806B1AE-03A0-3546-AF12-E38AB4636171}"/>
+              </a:ext>
+            </a:extLst>
+          </p:cNvPr>
+          <p:cNvSpPr/>
+          <p:nvPr/>
+        </p:nvSpPr>
+        <p:spPr>
+          <a:xfrm>
+            <a:off x="2927539" y="4945920"/>
+            <a:ext cx="7268100" cy="308437"/>
+          </a:xfrm>
+          <a:prstGeom prst="bentUpArrow">
+            <a:avLst/>
+          </a:prstGeom>
+        </p:spPr>
+        <p:style>
+          <a:lnRef idx="2">
+            <a:schemeClr val="accent1">
+              <a:shade val="50000"/>
+            </a:schemeClr>
+          </a:lnRef>
+          <a:fillRef idx="1">
+            <a:schemeClr val="accent1"/>
+          </a:fillRef>
+          <a:effectRef idx="0">
+            <a:schemeClr val="accent1"/>
+          </a:effectRef>
+          <a:fontRef idx="minor">
+            <a:schemeClr val="lt1"/>
+          </a:fontRef>
+        </p:style>
+        <p:txBody>
+          <a:bodyPr rtlCol="0" anchor="ctr"/>
+          <a:lstStyle/>
+          <a:p>
+            <a:pPr algn="ctr"/>
             <a:endParaRPr lang="en-US"/>
+          </a:p>
+        </p:txBody>
+      </p:sp>
+      <p:sp>
+        <p:nvSpPr>
+          <p:cNvPr id="15" name="Right Arrow 14">
+            <a:extLst>
+              <a:ext uri="{FF2B5EF4-FFF2-40B4-BE49-F238E27FC236}">
+                <a16:creationId xmlns:a16="http://schemas.microsoft.com/office/drawing/2014/main" id="{C3753BA4-5586-014B-9A5E-36E80CA51946}"/>
+              </a:ext>
+            </a:extLst>
+          </p:cNvPr>
+          <p:cNvSpPr/>
+          <p:nvPr/>
+        </p:nvSpPr>
+        <p:spPr>
+          <a:xfrm>
+            <a:off x="4123113" y="2891626"/>
+            <a:ext cx="4728298" cy="117581"/>
+          </a:xfrm>
+          <a:prstGeom prst="rightArrow">
+            <a:avLst/>
+          </a:prstGeom>
+        </p:spPr>
+        <p:style>
+          <a:lnRef idx="2">
+            <a:schemeClr val="accent1">
+              <a:shade val="50000"/>
+            </a:schemeClr>
+          </a:lnRef>
+          <a:fillRef idx="1">
+            <a:schemeClr val="accent1"/>
+          </a:fillRef>
+          <a:effectRef idx="0">
+            <a:schemeClr val="accent1"/>
+          </a:effectRef>
+          <a:fontRef idx="minor">
+            <a:schemeClr val="lt1"/>
+          </a:fontRef>
+        </p:style>
+        <p:txBody>
+          <a:bodyPr rtlCol="0" anchor="ctr"/>
+          <a:lstStyle/>
+          <a:p>
+            <a:pPr algn="ctr"/>
+            <a:endParaRPr lang="en-US"/>
+          </a:p>
+        </p:txBody>
+      </p:sp>
+      <p:sp>
+        <p:nvSpPr>
+          <p:cNvPr id="16" name="Right Arrow 15">
+            <a:extLst>
+              <a:ext uri="{FF2B5EF4-FFF2-40B4-BE49-F238E27FC236}">
+                <a16:creationId xmlns:a16="http://schemas.microsoft.com/office/drawing/2014/main" id="{60AEB850-08DA-2549-B459-C0ABBD1E9104}"/>
+              </a:ext>
+            </a:extLst>
+          </p:cNvPr>
+          <p:cNvSpPr/>
+          <p:nvPr/>
+        </p:nvSpPr>
+        <p:spPr>
+          <a:xfrm rot="11956738">
+            <a:off x="7209211" y="1901999"/>
+            <a:ext cx="1629294" cy="140327"/>
+          </a:xfrm>
+          <a:prstGeom prst="rightArrow">
+            <a:avLst/>
+          </a:prstGeom>
+        </p:spPr>
+        <p:style>
+          <a:lnRef idx="2">
+            <a:schemeClr val="accent1">
+              <a:shade val="50000"/>
+            </a:schemeClr>
+          </a:lnRef>
+          <a:fillRef idx="1">
+            <a:schemeClr val="accent1"/>
+          </a:fillRef>
+          <a:effectRef idx="0">
+            <a:schemeClr val="accent1"/>
+          </a:effectRef>
+          <a:fontRef idx="minor">
+            <a:schemeClr val="lt1"/>
+          </a:fontRef>
+        </p:style>
+        <p:txBody>
+          <a:bodyPr rtlCol="0" anchor="ctr"/>
+          <a:lstStyle/>
+          <a:p>
+            <a:pPr algn="ctr"/>
+            <a:endParaRPr lang="en-US"/>
+          </a:p>
+        </p:txBody>
+      </p:sp>
+      <p:sp>
+        <p:nvSpPr>
+          <p:cNvPr id="25" name="Right Arrow 24">
+            <a:extLst>
+              <a:ext uri="{FF2B5EF4-FFF2-40B4-BE49-F238E27FC236}">
+                <a16:creationId xmlns:a16="http://schemas.microsoft.com/office/drawing/2014/main" id="{9C771847-156D-6B43-BB37-FB2DABFC665B}"/>
+              </a:ext>
+            </a:extLst>
+          </p:cNvPr>
+          <p:cNvSpPr/>
+          <p:nvPr/>
+        </p:nvSpPr>
+        <p:spPr>
+          <a:xfrm rot="10800000">
+            <a:off x="2760920" y="1636963"/>
+            <a:ext cx="2289465" cy="125334"/>
+          </a:xfrm>
+          <a:prstGeom prst="rightArrow">
+            <a:avLst/>
+          </a:prstGeom>
+        </p:spPr>
+        <p:style>
+          <a:lnRef idx="2">
+            <a:schemeClr val="accent1">
+              <a:shade val="50000"/>
+            </a:schemeClr>
+          </a:lnRef>
+          <a:fillRef idx="1">
+            <a:schemeClr val="accent1"/>
+          </a:fillRef>
+          <a:effectRef idx="0">
+            <a:schemeClr val="accent1"/>
+          </a:effectRef>
+          <a:fontRef idx="minor">
+            <a:schemeClr val="lt1"/>
+          </a:fontRef>
+        </p:style>
+        <p:txBody>
+          <a:bodyPr rtlCol="0" anchor="ctr"/>
+          <a:lstStyle/>
+          <a:p>
+            <a:pPr algn="ctr"/>
+            <a:endParaRPr lang="en-US"/>
+          </a:p>
+        </p:txBody>
+      </p:sp>
+      <p:sp>
+        <p:nvSpPr>
+          <p:cNvPr id="17" name="TextBox 16">
+            <a:extLst>
+              <a:ext uri="{FF2B5EF4-FFF2-40B4-BE49-F238E27FC236}">
+                <a16:creationId xmlns:a16="http://schemas.microsoft.com/office/drawing/2014/main" id="{587F7C25-F60E-6044-BB90-557A6B13258F}"/>
+              </a:ext>
+            </a:extLst>
+          </p:cNvPr>
+          <p:cNvSpPr txBox="1"/>
+          <p:nvPr/>
+        </p:nvSpPr>
+        <p:spPr>
+          <a:xfrm>
+            <a:off x="5935287" y="2458239"/>
+            <a:ext cx="1596044" cy="369332"/>
+          </a:xfrm>
+          <a:prstGeom prst="rect">
+            <a:avLst/>
+          </a:prstGeom>
+          <a:noFill/>
+        </p:spPr>
+        <p:txBody>
+          <a:bodyPr wrap="square" rtlCol="0">
+            <a:spAutoFit/>
+          </a:bodyPr>
+          <a:lstStyle/>
+          <a:p>
+            <a:r>
+              <a:rPr lang="en-US" dirty="0"/>
+              <a:t>Query DB</a:t>
+            </a:r>
+          </a:p>
+        </p:txBody>
+      </p:sp>
+      <p:sp>
+        <p:nvSpPr>
+          <p:cNvPr id="27" name="TextBox 26">
+            <a:extLst>
+              <a:ext uri="{FF2B5EF4-FFF2-40B4-BE49-F238E27FC236}">
+                <a16:creationId xmlns:a16="http://schemas.microsoft.com/office/drawing/2014/main" id="{834D53C6-2264-7948-A1B4-1057079EF240}"/>
+              </a:ext>
+            </a:extLst>
+          </p:cNvPr>
+          <p:cNvSpPr txBox="1"/>
+          <p:nvPr/>
+        </p:nvSpPr>
+        <p:spPr>
+          <a:xfrm>
+            <a:off x="7670686" y="1313067"/>
+            <a:ext cx="1596044" cy="369332"/>
+          </a:xfrm>
+          <a:prstGeom prst="rect">
+            <a:avLst/>
+          </a:prstGeom>
+          <a:noFill/>
+        </p:spPr>
+        <p:txBody>
+          <a:bodyPr wrap="square" rtlCol="0">
+            <a:spAutoFit/>
+          </a:bodyPr>
+          <a:lstStyle/>
+          <a:p>
+            <a:r>
+              <a:rPr lang="en-US" dirty="0"/>
+              <a:t>historical data</a:t>
+            </a:r>
+          </a:p>
+        </p:txBody>
+      </p:sp>
+      <p:sp>
+        <p:nvSpPr>
+          <p:cNvPr id="28" name="TextBox 27">
+            <a:extLst>
+              <a:ext uri="{FF2B5EF4-FFF2-40B4-BE49-F238E27FC236}">
+                <a16:creationId xmlns:a16="http://schemas.microsoft.com/office/drawing/2014/main" id="{68B1137D-F486-264E-83D2-201C1FF7801C}"/>
+              </a:ext>
+            </a:extLst>
+          </p:cNvPr>
+          <p:cNvSpPr txBox="1"/>
+          <p:nvPr/>
+        </p:nvSpPr>
+        <p:spPr>
+          <a:xfrm>
+            <a:off x="3138849" y="1206936"/>
+            <a:ext cx="1946959" cy="369332"/>
+          </a:xfrm>
+          <a:prstGeom prst="rect">
+            <a:avLst/>
+          </a:prstGeom>
+          <a:noFill/>
+        </p:spPr>
+        <p:txBody>
+          <a:bodyPr wrap="square" rtlCol="0">
+            <a:spAutoFit/>
+          </a:bodyPr>
+          <a:lstStyle/>
+          <a:p>
+            <a:r>
+              <a:rPr lang="en-US" dirty="0"/>
+              <a:t>prediction via json</a:t>
+            </a:r>
+          </a:p>
+        </p:txBody>
+      </p:sp>
+      <p:sp>
+        <p:nvSpPr>
+          <p:cNvPr id="29" name="TextBox 28">
+            <a:extLst>
+              <a:ext uri="{FF2B5EF4-FFF2-40B4-BE49-F238E27FC236}">
+                <a16:creationId xmlns:a16="http://schemas.microsoft.com/office/drawing/2014/main" id="{42F97985-DFFF-F245-872C-57F27F2676D8}"/>
+              </a:ext>
+            </a:extLst>
+          </p:cNvPr>
+          <p:cNvSpPr txBox="1"/>
+          <p:nvPr/>
+        </p:nvSpPr>
+        <p:spPr>
+          <a:xfrm>
+            <a:off x="5981717" y="4703583"/>
+            <a:ext cx="1848872" cy="369332"/>
+          </a:xfrm>
+          <a:prstGeom prst="rect">
+            <a:avLst/>
+          </a:prstGeom>
+          <a:noFill/>
+        </p:spPr>
+        <p:txBody>
+          <a:bodyPr wrap="square" rtlCol="0">
+            <a:spAutoFit/>
+          </a:bodyPr>
+          <a:lstStyle/>
+          <a:p>
+            <a:r>
+              <a:rPr lang="en-US" dirty="0"/>
+              <a:t>store user data</a:t>
+            </a:r>
           </a:p>
         </p:txBody>
       </p:sp>
     </p:spTree>
     <p:extLst>
       <p:ext uri="{BB962C8B-B14F-4D97-AF65-F5344CB8AC3E}">
-        <p14:creationId xmlns:p14="http://schemas.microsoft.com/office/powerpoint/2010/main" val="3608846373"/>
+        <p14:creationId xmlns:p14="http://schemas.microsoft.com/office/powerpoint/2010/main" val="3388403518"/>
       </p:ext>
     </p:extLst>
   </p:cSld>
@@ -9163,6 +10625,14 @@
 <file path=ppt/slides/slide6.xml><?xml version="1.0" encoding="utf-8"?>
 <p:sld xmlns:a="http://schemas.openxmlformats.org/drawingml/2006/main" xmlns:r="http://schemas.openxmlformats.org/officeDocument/2006/relationships" xmlns:p="http://schemas.openxmlformats.org/presentationml/2006/main">
   <p:cSld>
+    <p:bg>
+      <p:bgPr>
+        <a:solidFill>
+          <a:schemeClr val="bg2"/>
+        </a:solidFill>
+        <a:effectLst/>
+      </p:bgPr>
+    </p:bg>
     <p:spTree>
       <p:nvGrpSpPr>
         <p:cNvPr id="1" name=""/>
@@ -9179,10 +10649,127 @@
       </p:grpSpPr>
       <p:sp>
         <p:nvSpPr>
+          <p:cNvPr id="15" name="Rectangle 9">
+            <a:extLst>
+              <a:ext uri="{FF2B5EF4-FFF2-40B4-BE49-F238E27FC236}">
+                <a16:creationId xmlns:a16="http://schemas.microsoft.com/office/drawing/2014/main" id="{1BB56EB9-078F-4952-AC1F-149C7A0AE4D5}"/>
+              </a:ext>
+              <a:ext uri="{C183D7F6-B498-43B3-948B-1728B52AA6E4}">
+                <adec:decorative xmlns:adec="http://schemas.microsoft.com/office/drawing/2017/decorative" val="1"/>
+              </a:ext>
+            </a:extLst>
+          </p:cNvPr>
+          <p:cNvSpPr>
+            <a:spLocks noGrp="1" noRot="1" noChangeAspect="1" noMove="1" noResize="1" noEditPoints="1" noAdjustHandles="1" noChangeArrowheads="1" noChangeShapeType="1" noTextEdit="1"/>
+          </p:cNvSpPr>
+          <p:nvPr>
+            <p:extLst>
+              <p:ext uri="{386F3935-93C4-4BCD-93E2-E3B085C9AB24}">
+                <p16:designElem xmlns:p16="http://schemas.microsoft.com/office/powerpoint/2015/main" val="1"/>
+              </p:ext>
+            </p:extLst>
+          </p:nvPr>
+        </p:nvSpPr>
+        <p:spPr>
+          <a:xfrm>
+            <a:off x="0" y="0"/>
+            <a:ext cx="12192000" cy="6858000"/>
+          </a:xfrm>
+          <a:prstGeom prst="rect">
+            <a:avLst/>
+          </a:prstGeom>
+          <a:solidFill>
+            <a:schemeClr val="tx1"/>
+          </a:solidFill>
+          <a:ln>
+            <a:noFill/>
+          </a:ln>
+        </p:spPr>
+        <p:style>
+          <a:lnRef idx="2">
+            <a:schemeClr val="accent1">
+              <a:shade val="50000"/>
+            </a:schemeClr>
+          </a:lnRef>
+          <a:fillRef idx="1">
+            <a:schemeClr val="accent1"/>
+          </a:fillRef>
+          <a:effectRef idx="0">
+            <a:schemeClr val="accent1"/>
+          </a:effectRef>
+          <a:fontRef idx="minor">
+            <a:schemeClr val="lt1"/>
+          </a:fontRef>
+        </p:style>
+        <p:txBody>
+          <a:bodyPr rtlCol="0" anchor="ctr"/>
+          <a:lstStyle/>
+          <a:p>
+            <a:pPr algn="ctr"/>
+            <a:endParaRPr lang="en-US"/>
+          </a:p>
+        </p:txBody>
+      </p:sp>
+      <p:sp>
+        <p:nvSpPr>
+          <p:cNvPr id="17" name="Rectangle 11">
+            <a:extLst>
+              <a:ext uri="{FF2B5EF4-FFF2-40B4-BE49-F238E27FC236}">
+                <a16:creationId xmlns:a16="http://schemas.microsoft.com/office/drawing/2014/main" id="{D3772EE4-ED5E-4D3A-A306-B22CF866786D}"/>
+              </a:ext>
+              <a:ext uri="{C183D7F6-B498-43B3-948B-1728B52AA6E4}">
+                <adec:decorative xmlns:adec="http://schemas.microsoft.com/office/drawing/2017/decorative" val="1"/>
+              </a:ext>
+            </a:extLst>
+          </p:cNvPr>
+          <p:cNvSpPr>
+            <a:spLocks noGrp="1" noRot="1" noChangeAspect="1" noMove="1" noResize="1" noEditPoints="1" noAdjustHandles="1" noChangeArrowheads="1" noChangeShapeType="1" noTextEdit="1"/>
+          </p:cNvSpPr>
+          <p:nvPr>
+            <p:extLst>
+              <p:ext uri="{386F3935-93C4-4BCD-93E2-E3B085C9AB24}">
+                <p16:designElem xmlns:p16="http://schemas.microsoft.com/office/powerpoint/2015/main" val="1"/>
+              </p:ext>
+            </p:extLst>
+          </p:nvPr>
+        </p:nvSpPr>
+        <p:spPr>
+          <a:xfrm>
+            <a:off x="446534" y="601200"/>
+            <a:ext cx="3703320" cy="5789365"/>
+          </a:xfrm>
+          <a:prstGeom prst="rect">
+            <a:avLst/>
+          </a:prstGeom>
+          <a:solidFill>
+            <a:srgbClr val="465359"/>
+          </a:solidFill>
+          <a:ln>
+            <a:noFill/>
+          </a:ln>
+          <a:effectLst/>
+        </p:spPr>
+        <p:style>
+          <a:lnRef idx="1">
+            <a:schemeClr val="accent1"/>
+          </a:lnRef>
+          <a:fillRef idx="3">
+            <a:schemeClr val="accent1"/>
+          </a:fillRef>
+          <a:effectRef idx="2">
+            <a:schemeClr val="accent1"/>
+          </a:effectRef>
+          <a:fontRef idx="minor">
+            <a:schemeClr val="lt1"/>
+          </a:fontRef>
+        </p:style>
+      </p:sp>
+      <p:sp>
+        <p:nvSpPr>
           <p:cNvPr id="2" name="Title 1">
             <a:extLst>
               <a:ext uri="{FF2B5EF4-FFF2-40B4-BE49-F238E27FC236}">
-                <a16:creationId xmlns:a16="http://schemas.microsoft.com/office/drawing/2014/main" id="{B84214D5-4FB2-4CE0-B2A6-CC2C2A03DAA0}"/>
+                <a16:creationId xmlns:a16="http://schemas.microsoft.com/office/drawing/2014/main" id="{05319DB8-5086-4AC4-B2DF-EFE0DE053A82}"/>
               </a:ext>
             </a:extLst>
           </p:cNvPr>
@@ -9193,24 +10780,204 @@
             <p:ph type="title"/>
           </p:nvPr>
         </p:nvSpPr>
-        <p:spPr/>
+        <p:spPr>
+          <a:xfrm>
+            <a:off x="672280" y="944752"/>
+            <a:ext cx="3259016" cy="1462692"/>
+          </a:xfrm>
+        </p:spPr>
+        <p:txBody>
+          <a:bodyPr>
+            <a:normAutofit/>
+          </a:bodyPr>
+          <a:lstStyle/>
+          <a:p>
+            <a:r>
+              <a:rPr lang="en-US">
+                <a:solidFill>
+                  <a:srgbClr val="FFFFFF"/>
+                </a:solidFill>
+              </a:rPr>
+              <a:t>responsive Map </a:t>
+            </a:r>
+          </a:p>
+        </p:txBody>
+      </p:sp>
+      <p:sp>
+        <p:nvSpPr>
+          <p:cNvPr id="14" name="Rectangle 13">
+            <a:extLst>
+              <a:ext uri="{FF2B5EF4-FFF2-40B4-BE49-F238E27FC236}">
+                <a16:creationId xmlns:a16="http://schemas.microsoft.com/office/drawing/2014/main" id="{10058680-D07C-4893-B2B7-91543F18AB32}"/>
+              </a:ext>
+              <a:ext uri="{C183D7F6-B498-43B3-948B-1728B52AA6E4}">
+                <adec:decorative xmlns:adec="http://schemas.microsoft.com/office/drawing/2017/decorative" val="1"/>
+              </a:ext>
+            </a:extLst>
+          </p:cNvPr>
+          <p:cNvSpPr>
+            <a:spLocks noGrp="1" noRot="1" noChangeAspect="1" noMove="1" noResize="1" noEditPoints="1" noAdjustHandles="1" noChangeArrowheads="1" noChangeShapeType="1" noTextEdit="1"/>
+          </p:cNvSpPr>
+          <p:nvPr>
+            <p:extLst>
+              <p:ext uri="{386F3935-93C4-4BCD-93E2-E3B085C9AB24}">
+                <p16:designElem xmlns:p16="http://schemas.microsoft.com/office/powerpoint/2015/main" val="1"/>
+              </p:ext>
+            </p:extLst>
+          </p:nvPr>
+        </p:nvSpPr>
+        <p:spPr>
+          <a:xfrm>
+            <a:off x="446534" y="457200"/>
+            <a:ext cx="3703320" cy="94997"/>
+          </a:xfrm>
+          <a:prstGeom prst="rect">
+            <a:avLst/>
+          </a:prstGeom>
+          <a:solidFill>
+            <a:srgbClr val="465359"/>
+          </a:solidFill>
+          <a:ln>
+            <a:noFill/>
+          </a:ln>
+          <a:effectLst/>
+        </p:spPr>
+        <p:style>
+          <a:lnRef idx="1">
+            <a:schemeClr val="accent1"/>
+          </a:lnRef>
+          <a:fillRef idx="3">
+            <a:schemeClr val="accent1"/>
+          </a:fillRef>
+          <a:effectRef idx="2">
+            <a:schemeClr val="accent1"/>
+          </a:effectRef>
+          <a:fontRef idx="minor">
+            <a:schemeClr val="lt1"/>
+          </a:fontRef>
+        </p:style>
+      </p:sp>
+      <p:sp>
+        <p:nvSpPr>
+          <p:cNvPr id="16" name="Rectangle 15">
+            <a:extLst>
+              <a:ext uri="{FF2B5EF4-FFF2-40B4-BE49-F238E27FC236}">
+                <a16:creationId xmlns:a16="http://schemas.microsoft.com/office/drawing/2014/main" id="{7B42427A-0A1F-4A55-8705-D9179F1E0CFB}"/>
+              </a:ext>
+              <a:ext uri="{C183D7F6-B498-43B3-948B-1728B52AA6E4}">
+                <adec:decorative xmlns:adec="http://schemas.microsoft.com/office/drawing/2017/decorative" val="1"/>
+              </a:ext>
+            </a:extLst>
+          </p:cNvPr>
+          <p:cNvSpPr>
+            <a:spLocks noGrp="1" noRot="1" noChangeAspect="1" noMove="1" noResize="1" noEditPoints="1" noAdjustHandles="1" noChangeArrowheads="1" noChangeShapeType="1" noTextEdit="1"/>
+          </p:cNvSpPr>
+          <p:nvPr>
+            <p:extLst>
+              <p:ext uri="{386F3935-93C4-4BCD-93E2-E3B085C9AB24}">
+                <p16:designElem xmlns:p16="http://schemas.microsoft.com/office/powerpoint/2015/main" val="1"/>
+              </p:ext>
+            </p:extLst>
+          </p:nvPr>
+        </p:nvSpPr>
+        <p:spPr>
+          <a:xfrm>
+            <a:off x="4241830" y="457200"/>
+            <a:ext cx="3703320" cy="91440"/>
+          </a:xfrm>
+          <a:prstGeom prst="rect">
+            <a:avLst/>
+          </a:prstGeom>
+          <a:solidFill>
+            <a:schemeClr val="accent1"/>
+          </a:solidFill>
+          <a:ln>
+            <a:noFill/>
+          </a:ln>
+          <a:effectLst/>
+        </p:spPr>
+        <p:style>
+          <a:lnRef idx="1">
+            <a:schemeClr val="accent1"/>
+          </a:lnRef>
+          <a:fillRef idx="3">
+            <a:schemeClr val="accent1"/>
+          </a:fillRef>
+          <a:effectRef idx="2">
+            <a:schemeClr val="accent1"/>
+          </a:effectRef>
+          <a:fontRef idx="minor">
+            <a:schemeClr val="lt1"/>
+          </a:fontRef>
+        </p:style>
         <p:txBody>
           <a:bodyPr/>
           <a:lstStyle/>
           <a:p>
-            <a:r>
-              <a:rPr lang="en-US" dirty="0"/>
-              <a:t>Racing bar chart </a:t>
-            </a:r>
+            <a:endParaRPr lang="en-US" dirty="0"/>
           </a:p>
         </p:txBody>
+      </p:sp>
+      <p:sp>
+        <p:nvSpPr>
+          <p:cNvPr id="18" name="Rectangle 17">
+            <a:extLst>
+              <a:ext uri="{FF2B5EF4-FFF2-40B4-BE49-F238E27FC236}">
+                <a16:creationId xmlns:a16="http://schemas.microsoft.com/office/drawing/2014/main" id="{EE54A6FE-D8CB-48A3-900B-053D4EBD3B85}"/>
+              </a:ext>
+              <a:ext uri="{C183D7F6-B498-43B3-948B-1728B52AA6E4}">
+                <adec:decorative xmlns:adec="http://schemas.microsoft.com/office/drawing/2017/decorative" val="1"/>
+              </a:ext>
+            </a:extLst>
+          </p:cNvPr>
+          <p:cNvSpPr>
+            <a:spLocks noGrp="1" noRot="1" noChangeAspect="1" noMove="1" noResize="1" noEditPoints="1" noAdjustHandles="1" noChangeArrowheads="1" noChangeShapeType="1" noTextEdit="1"/>
+          </p:cNvSpPr>
+          <p:nvPr>
+            <p:extLst>
+              <p:ext uri="{386F3935-93C4-4BCD-93E2-E3B085C9AB24}">
+                <p16:designElem xmlns:p16="http://schemas.microsoft.com/office/powerpoint/2015/main" val="1"/>
+              </p:ext>
+            </p:extLst>
+          </p:nvPr>
+        </p:nvSpPr>
+        <p:spPr>
+          <a:xfrm>
+            <a:off x="8042147" y="453643"/>
+            <a:ext cx="3703320" cy="98554"/>
+          </a:xfrm>
+          <a:prstGeom prst="rect">
+            <a:avLst/>
+          </a:prstGeom>
+          <a:solidFill>
+            <a:srgbClr val="969FA7"/>
+          </a:solidFill>
+          <a:ln>
+            <a:noFill/>
+          </a:ln>
+          <a:effectLst/>
+        </p:spPr>
+        <p:style>
+          <a:lnRef idx="1">
+            <a:schemeClr val="accent1"/>
+          </a:lnRef>
+          <a:fillRef idx="3">
+            <a:schemeClr val="accent1"/>
+          </a:fillRef>
+          <a:effectRef idx="2">
+            <a:schemeClr val="accent1"/>
+          </a:effectRef>
+          <a:fontRef idx="minor">
+            <a:schemeClr val="lt1"/>
+          </a:fontRef>
+        </p:style>
       </p:sp>
       <p:sp>
         <p:nvSpPr>
           <p:cNvPr id="3" name="Content Placeholder 2">
             <a:extLst>
               <a:ext uri="{FF2B5EF4-FFF2-40B4-BE49-F238E27FC236}">
-                <a16:creationId xmlns:a16="http://schemas.microsoft.com/office/drawing/2014/main" id="{8E5DDE6F-E4D0-46E8-B255-333FF532C376}"/>
+                <a16:creationId xmlns:a16="http://schemas.microsoft.com/office/drawing/2014/main" id="{B7857208-E911-4786-AC6F-87690E3D3EC6}"/>
               </a:ext>
             </a:extLst>
           </p:cNvPr>
@@ -9221,15 +10988,679 @@
             <p:ph idx="1"/>
           </p:nvPr>
         </p:nvSpPr>
-        <p:spPr/>
+        <p:spPr>
+          <a:xfrm>
+            <a:off x="671513" y="2536031"/>
+            <a:ext cx="3123783" cy="3671936"/>
+          </a:xfrm>
+        </p:spPr>
         <p:txBody>
-          <a:bodyPr/>
+          <a:bodyPr anchor="t">
+            <a:normAutofit lnSpcReduction="10000"/>
+          </a:bodyPr>
           <a:lstStyle/>
           <a:p>
-            <a:endParaRPr lang="en-US" dirty="0"/>
+            <a:pPr>
+              <a:lnSpc>
+                <a:spcPct val="90000"/>
+              </a:lnSpc>
+            </a:pPr>
+            <a:r>
+              <a:rPr lang="en-US" sz="1400" dirty="0">
+                <a:solidFill>
+                  <a:srgbClr val="FFFFFF"/>
+                </a:solidFill>
+              </a:rPr>
+              <a:t>There is a circle for each one of the 115 stations </a:t>
+            </a:r>
+          </a:p>
+          <a:p>
+            <a:pPr>
+              <a:lnSpc>
+                <a:spcPct val="90000"/>
+              </a:lnSpc>
+            </a:pPr>
+            <a:r>
+              <a:rPr lang="en-US" sz="1400">
+                <a:solidFill>
+                  <a:srgbClr val="FFFFFF"/>
+                </a:solidFill>
+              </a:rPr>
+              <a:t>User selects a planned trip date and the map is populated with data from the ML model predicting snowfall for that date</a:t>
+            </a:r>
+          </a:p>
+          <a:p>
+            <a:pPr>
+              <a:lnSpc>
+                <a:spcPct val="90000"/>
+              </a:lnSpc>
+            </a:pPr>
+            <a:r>
+              <a:rPr lang="en-US" sz="1400" dirty="0">
+                <a:solidFill>
+                  <a:srgbClr val="FFFFFF"/>
+                </a:solidFill>
+              </a:rPr>
+              <a:t>Circle map that scales with the amount of snow that will be gained</a:t>
+            </a:r>
+          </a:p>
+          <a:p>
+            <a:pPr lvl="1">
+              <a:lnSpc>
+                <a:spcPct val="90000"/>
+              </a:lnSpc>
+            </a:pPr>
+            <a:r>
+              <a:rPr lang="en-US" dirty="0">
+                <a:solidFill>
+                  <a:srgbClr val="FFFFFF"/>
+                </a:solidFill>
+              </a:rPr>
+              <a:t>Smaller circles represent melt, reaches a middle point (tipping point) where it becomes snow</a:t>
+            </a:r>
+          </a:p>
+          <a:p>
+            <a:pPr lvl="1">
+              <a:lnSpc>
+                <a:spcPct val="90000"/>
+              </a:lnSpc>
+            </a:pPr>
+            <a:r>
+              <a:rPr lang="en-US" dirty="0">
+                <a:solidFill>
+                  <a:srgbClr val="FFFFFF"/>
+                </a:solidFill>
+              </a:rPr>
+              <a:t>Ran into problems with color variations</a:t>
+            </a:r>
+          </a:p>
+          <a:p>
+            <a:pPr lvl="1">
+              <a:lnSpc>
+                <a:spcPct val="90000"/>
+              </a:lnSpc>
+            </a:pPr>
+            <a:r>
+              <a:rPr lang="en-US" dirty="0">
+                <a:solidFill>
+                  <a:srgbClr val="FFFFFF"/>
+                </a:solidFill>
+              </a:rPr>
+              <a:t>Larger circles and clusters indicate a good place to go for that week for snowfall</a:t>
+            </a:r>
+          </a:p>
+          <a:p>
+            <a:pPr marL="324000" lvl="1" indent="0">
+              <a:lnSpc>
+                <a:spcPct val="90000"/>
+              </a:lnSpc>
+              <a:buNone/>
+            </a:pPr>
+            <a:endParaRPr lang="en-US" dirty="0">
+              <a:solidFill>
+                <a:srgbClr val="FFFFFF"/>
+              </a:solidFill>
+            </a:endParaRPr>
           </a:p>
         </p:txBody>
       </p:sp>
+      <p:pic>
+        <p:nvPicPr>
+          <p:cNvPr id="5" name="Picture 4" descr="Graphical user interface&#10;&#10;Description automatically generated">
+            <a:extLst>
+              <a:ext uri="{FF2B5EF4-FFF2-40B4-BE49-F238E27FC236}">
+                <a16:creationId xmlns:a16="http://schemas.microsoft.com/office/drawing/2014/main" id="{007775FC-A59E-48E5-B14B-74EAF9CE10DF}"/>
+              </a:ext>
+            </a:extLst>
+          </p:cNvPr>
+          <p:cNvPicPr>
+            <a:picLocks noChangeAspect="1"/>
+          </p:cNvPicPr>
+          <p:nvPr/>
+        </p:nvPicPr>
+        <p:blipFill rotWithShape="1">
+          <a:blip r:embed="rId2"/>
+          <a:srcRect l="5769" r="21327" b="2"/>
+          <a:stretch/>
+        </p:blipFill>
+        <p:spPr>
+          <a:xfrm>
+            <a:off x="4241830" y="601200"/>
+            <a:ext cx="7503636" cy="5789365"/>
+          </a:xfrm>
+          <a:prstGeom prst="rect">
+            <a:avLst/>
+          </a:prstGeom>
+        </p:spPr>
+      </p:pic>
+    </p:spTree>
+    <p:extLst>
+      <p:ext uri="{BB962C8B-B14F-4D97-AF65-F5344CB8AC3E}">
+        <p14:creationId xmlns:p14="http://schemas.microsoft.com/office/powerpoint/2010/main" val="3955725811"/>
+      </p:ext>
+    </p:extLst>
+  </p:cSld>
+  <p:clrMapOvr>
+    <a:overrideClrMapping bg1="dk1" tx1="lt1" bg2="dk2" tx2="lt2" accent1="accent1" accent2="accent2" accent3="accent3" accent4="accent4" accent5="accent5" accent6="accent6" hlink="hlink" folHlink="folHlink"/>
+  </p:clrMapOvr>
+</p:sld>
+</file>
+
+<file path=ppt/slides/slide7.xml><?xml version="1.0" encoding="utf-8"?>
+<p:sld xmlns:a="http://schemas.openxmlformats.org/drawingml/2006/main" xmlns:r="http://schemas.openxmlformats.org/officeDocument/2006/relationships" xmlns:p="http://schemas.openxmlformats.org/presentationml/2006/main">
+  <p:cSld>
+    <p:bg>
+      <p:bgPr>
+        <a:solidFill>
+          <a:schemeClr val="bg1"/>
+        </a:solidFill>
+        <a:effectLst/>
+      </p:bgPr>
+    </p:bg>
+    <p:spTree>
+      <p:nvGrpSpPr>
+        <p:cNvPr id="1" name=""/>
+        <p:cNvGrpSpPr/>
+        <p:nvPr/>
+      </p:nvGrpSpPr>
+      <p:grpSpPr>
+        <a:xfrm>
+          <a:off x="0" y="0"/>
+          <a:ext cx="0" cy="0"/>
+          <a:chOff x="0" y="0"/>
+          <a:chExt cx="0" cy="0"/>
+        </a:xfrm>
+      </p:grpSpPr>
+      <p:sp>
+        <p:nvSpPr>
+          <p:cNvPr id="10" name="Rectangle 9">
+            <a:extLst>
+              <a:ext uri="{FF2B5EF4-FFF2-40B4-BE49-F238E27FC236}">
+                <a16:creationId xmlns:a16="http://schemas.microsoft.com/office/drawing/2014/main" id="{E6C8E6EB-4C59-429B-97E4-72A058CFC4FB}"/>
+              </a:ext>
+              <a:ext uri="{C183D7F6-B498-43B3-948B-1728B52AA6E4}">
+                <adec:decorative xmlns:adec="http://schemas.microsoft.com/office/drawing/2017/decorative" val="1"/>
+              </a:ext>
+            </a:extLst>
+          </p:cNvPr>
+          <p:cNvSpPr>
+            <a:spLocks noGrp="1" noRot="1" noChangeAspect="1" noMove="1" noResize="1" noEditPoints="1" noAdjustHandles="1" noChangeArrowheads="1" noChangeShapeType="1" noTextEdit="1"/>
+          </p:cNvSpPr>
+          <p:nvPr>
+            <p:extLst>
+              <p:ext uri="{386F3935-93C4-4BCD-93E2-E3B085C9AB24}">
+                <p16:designElem xmlns:p16="http://schemas.microsoft.com/office/powerpoint/2015/main" val="1"/>
+              </p:ext>
+            </p:extLst>
+          </p:nvPr>
+        </p:nvSpPr>
+        <p:spPr>
+          <a:xfrm>
+            <a:off x="446534" y="457200"/>
+            <a:ext cx="3703320" cy="94997"/>
+          </a:xfrm>
+          <a:prstGeom prst="rect">
+            <a:avLst/>
+          </a:prstGeom>
+          <a:solidFill>
+            <a:srgbClr val="465359"/>
+          </a:solidFill>
+          <a:ln>
+            <a:noFill/>
+          </a:ln>
+          <a:effectLst/>
+        </p:spPr>
+        <p:style>
+          <a:lnRef idx="1">
+            <a:schemeClr val="accent1"/>
+          </a:lnRef>
+          <a:fillRef idx="3">
+            <a:schemeClr val="accent1"/>
+          </a:fillRef>
+          <a:effectRef idx="2">
+            <a:schemeClr val="accent1"/>
+          </a:effectRef>
+          <a:fontRef idx="minor">
+            <a:schemeClr val="lt1"/>
+          </a:fontRef>
+        </p:style>
+      </p:sp>
+      <p:sp>
+        <p:nvSpPr>
+          <p:cNvPr id="23" name="Rectangle 11">
+            <a:extLst>
+              <a:ext uri="{FF2B5EF4-FFF2-40B4-BE49-F238E27FC236}">
+                <a16:creationId xmlns:a16="http://schemas.microsoft.com/office/drawing/2014/main" id="{B5B90362-AFCC-46A9-B41C-A257A8C5B314}"/>
+              </a:ext>
+              <a:ext uri="{C183D7F6-B498-43B3-948B-1728B52AA6E4}">
+                <adec:decorative xmlns:adec="http://schemas.microsoft.com/office/drawing/2017/decorative" val="1"/>
+              </a:ext>
+            </a:extLst>
+          </p:cNvPr>
+          <p:cNvSpPr>
+            <a:spLocks noGrp="1" noRot="1" noChangeAspect="1" noMove="1" noResize="1" noEditPoints="1" noAdjustHandles="1" noChangeArrowheads="1" noChangeShapeType="1" noTextEdit="1"/>
+          </p:cNvSpPr>
+          <p:nvPr>
+            <p:extLst>
+              <p:ext uri="{386F3935-93C4-4BCD-93E2-E3B085C9AB24}">
+                <p16:designElem xmlns:p16="http://schemas.microsoft.com/office/powerpoint/2015/main" val="1"/>
+              </p:ext>
+            </p:extLst>
+          </p:nvPr>
+        </p:nvSpPr>
+        <p:spPr>
+          <a:xfrm>
+            <a:off x="8042147" y="453643"/>
+            <a:ext cx="3703320" cy="98554"/>
+          </a:xfrm>
+          <a:prstGeom prst="rect">
+            <a:avLst/>
+          </a:prstGeom>
+          <a:solidFill>
+            <a:srgbClr val="969FA7"/>
+          </a:solidFill>
+          <a:ln>
+            <a:noFill/>
+          </a:ln>
+          <a:effectLst/>
+        </p:spPr>
+        <p:style>
+          <a:lnRef idx="1">
+            <a:schemeClr val="accent1"/>
+          </a:lnRef>
+          <a:fillRef idx="3">
+            <a:schemeClr val="accent1"/>
+          </a:fillRef>
+          <a:effectRef idx="2">
+            <a:schemeClr val="accent1"/>
+          </a:effectRef>
+          <a:fontRef idx="minor">
+            <a:schemeClr val="lt1"/>
+          </a:fontRef>
+        </p:style>
+      </p:sp>
+      <p:sp>
+        <p:nvSpPr>
+          <p:cNvPr id="24" name="Rectangle 13">
+            <a:extLst>
+              <a:ext uri="{FF2B5EF4-FFF2-40B4-BE49-F238E27FC236}">
+                <a16:creationId xmlns:a16="http://schemas.microsoft.com/office/drawing/2014/main" id="{F71EF7F1-38BA-471D-8CD4-2A9AE8E35527}"/>
+              </a:ext>
+              <a:ext uri="{C183D7F6-B498-43B3-948B-1728B52AA6E4}">
+                <adec:decorative xmlns:adec="http://schemas.microsoft.com/office/drawing/2017/decorative" val="1"/>
+              </a:ext>
+            </a:extLst>
+          </p:cNvPr>
+          <p:cNvSpPr>
+            <a:spLocks noGrp="1" noRot="1" noChangeAspect="1" noMove="1" noResize="1" noEditPoints="1" noAdjustHandles="1" noChangeArrowheads="1" noChangeShapeType="1" noTextEdit="1"/>
+          </p:cNvSpPr>
+          <p:nvPr>
+            <p:extLst>
+              <p:ext uri="{386F3935-93C4-4BCD-93E2-E3B085C9AB24}">
+                <p16:designElem xmlns:p16="http://schemas.microsoft.com/office/powerpoint/2015/main" val="1"/>
+              </p:ext>
+            </p:extLst>
+          </p:nvPr>
+        </p:nvSpPr>
+        <p:spPr>
+          <a:xfrm>
+            <a:off x="4241830" y="457200"/>
+            <a:ext cx="3703320" cy="91440"/>
+          </a:xfrm>
+          <a:prstGeom prst="rect">
+            <a:avLst/>
+          </a:prstGeom>
+          <a:solidFill>
+            <a:schemeClr val="accent1"/>
+          </a:solidFill>
+          <a:ln>
+            <a:noFill/>
+          </a:ln>
+          <a:effectLst/>
+        </p:spPr>
+        <p:style>
+          <a:lnRef idx="1">
+            <a:schemeClr val="accent1"/>
+          </a:lnRef>
+          <a:fillRef idx="3">
+            <a:schemeClr val="accent1"/>
+          </a:fillRef>
+          <a:effectRef idx="2">
+            <a:schemeClr val="accent1"/>
+          </a:effectRef>
+          <a:fontRef idx="minor">
+            <a:schemeClr val="lt1"/>
+          </a:fontRef>
+        </p:style>
+      </p:sp>
+      <p:sp>
+        <p:nvSpPr>
+          <p:cNvPr id="25" name="Rectangle 15">
+            <a:extLst>
+              <a:ext uri="{FF2B5EF4-FFF2-40B4-BE49-F238E27FC236}">
+                <a16:creationId xmlns:a16="http://schemas.microsoft.com/office/drawing/2014/main" id="{C0524398-BFB4-4C4A-8317-83B8729F9B26}"/>
+              </a:ext>
+              <a:ext uri="{C183D7F6-B498-43B3-948B-1728B52AA6E4}">
+                <adec:decorative xmlns:adec="http://schemas.microsoft.com/office/drawing/2017/decorative" val="1"/>
+              </a:ext>
+            </a:extLst>
+          </p:cNvPr>
+          <p:cNvSpPr>
+            <a:spLocks noGrp="1" noRot="1" noChangeAspect="1" noMove="1" noResize="1" noEditPoints="1" noAdjustHandles="1" noChangeArrowheads="1" noChangeShapeType="1" noTextEdit="1"/>
+          </p:cNvSpPr>
+          <p:nvPr>
+            <p:extLst>
+              <p:ext uri="{386F3935-93C4-4BCD-93E2-E3B085C9AB24}">
+                <p16:designElem xmlns:p16="http://schemas.microsoft.com/office/powerpoint/2015/main" val="1"/>
+              </p:ext>
+            </p:extLst>
+          </p:nvPr>
+        </p:nvSpPr>
+        <p:spPr>
+          <a:xfrm>
+            <a:off x="446534" y="3085764"/>
+            <a:ext cx="11298932" cy="3338149"/>
+          </a:xfrm>
+          <a:prstGeom prst="rect">
+            <a:avLst/>
+          </a:prstGeom>
+          <a:solidFill>
+            <a:srgbClr val="465359"/>
+          </a:solidFill>
+          <a:ln>
+            <a:noFill/>
+          </a:ln>
+          <a:effectLst/>
+        </p:spPr>
+        <p:style>
+          <a:lnRef idx="1">
+            <a:schemeClr val="accent1"/>
+          </a:lnRef>
+          <a:fillRef idx="3">
+            <a:schemeClr val="accent1"/>
+          </a:fillRef>
+          <a:effectRef idx="2">
+            <a:schemeClr val="accent1"/>
+          </a:effectRef>
+          <a:fontRef idx="minor">
+            <a:schemeClr val="lt1"/>
+          </a:fontRef>
+        </p:style>
+      </p:sp>
+      <p:sp>
+        <p:nvSpPr>
+          <p:cNvPr id="26" name="Rectangle 17">
+            <a:extLst>
+              <a:ext uri="{FF2B5EF4-FFF2-40B4-BE49-F238E27FC236}">
+                <a16:creationId xmlns:a16="http://schemas.microsoft.com/office/drawing/2014/main" id="{E08D4B6A-8113-4DFB-B82E-B60CAC8E0A50}"/>
+              </a:ext>
+              <a:ext uri="{C183D7F6-B498-43B3-948B-1728B52AA6E4}">
+                <adec:decorative xmlns:adec="http://schemas.microsoft.com/office/drawing/2017/decorative" val="1"/>
+              </a:ext>
+            </a:extLst>
+          </p:cNvPr>
+          <p:cNvSpPr>
+            <a:spLocks noGrp="1" noRot="1" noChangeAspect="1" noMove="1" noResize="1" noEditPoints="1" noAdjustHandles="1" noChangeArrowheads="1" noChangeShapeType="1" noTextEdit="1"/>
+          </p:cNvSpPr>
+          <p:nvPr>
+            <p:extLst>
+              <p:ext uri="{386F3935-93C4-4BCD-93E2-E3B085C9AB24}">
+                <p16:designElem xmlns:p16="http://schemas.microsoft.com/office/powerpoint/2015/main" val="1"/>
+              </p:ext>
+            </p:extLst>
+          </p:nvPr>
+        </p:nvSpPr>
+        <p:spPr>
+          <a:xfrm>
+            <a:off x="0" y="0"/>
+            <a:ext cx="12192000" cy="6858000"/>
+          </a:xfrm>
+          <a:prstGeom prst="rect">
+            <a:avLst/>
+          </a:prstGeom>
+          <a:solidFill>
+            <a:srgbClr val="FFFFFF"/>
+          </a:solidFill>
+          <a:ln>
+            <a:noFill/>
+          </a:ln>
+        </p:spPr>
+        <p:style>
+          <a:lnRef idx="2">
+            <a:schemeClr val="accent1">
+              <a:shade val="50000"/>
+            </a:schemeClr>
+          </a:lnRef>
+          <a:fillRef idx="1">
+            <a:schemeClr val="accent1"/>
+          </a:fillRef>
+          <a:effectRef idx="0">
+            <a:schemeClr val="accent1"/>
+          </a:effectRef>
+          <a:fontRef idx="minor">
+            <a:schemeClr val="lt1"/>
+          </a:fontRef>
+        </p:style>
+        <p:txBody>
+          <a:bodyPr rtlCol="0" anchor="ctr"/>
+          <a:lstStyle/>
+          <a:p>
+            <a:pPr marL="0" marR="0" lvl="0" indent="0" algn="ctr" defTabSz="457200" rtl="0" eaLnBrk="1" fontAlgn="auto" latinLnBrk="0" hangingPunct="1">
+              <a:lnSpc>
+                <a:spcPct val="100000"/>
+              </a:lnSpc>
+              <a:spcBef>
+                <a:spcPts val="0"/>
+              </a:spcBef>
+              <a:spcAft>
+                <a:spcPts val="0"/>
+              </a:spcAft>
+              <a:buClrTx/>
+              <a:buSzTx/>
+              <a:buFontTx/>
+              <a:buNone/>
+              <a:tabLst/>
+              <a:defRPr/>
+            </a:pPr>
+            <a:endParaRPr kumimoji="0" lang="en-US" sz="1800" b="0" i="0" u="none" strike="noStrike" kern="1200" cap="none" spc="0" normalizeH="0" baseline="0" noProof="0">
+              <a:ln>
+                <a:noFill/>
+              </a:ln>
+              <a:solidFill>
+                <a:prstClr val="white"/>
+              </a:solidFill>
+              <a:effectLst/>
+              <a:uLnTx/>
+              <a:uFillTx/>
+              <a:latin typeface="Gill Sans MT" panose="020B0502020104020203"/>
+              <a:ea typeface="+mn-ea"/>
+              <a:cs typeface="+mn-cs"/>
+            </a:endParaRPr>
+          </a:p>
+        </p:txBody>
+      </p:sp>
+      <p:sp>
+        <p:nvSpPr>
+          <p:cNvPr id="27" name="Rectangle 19">
+            <a:extLst>
+              <a:ext uri="{FF2B5EF4-FFF2-40B4-BE49-F238E27FC236}">
+                <a16:creationId xmlns:a16="http://schemas.microsoft.com/office/drawing/2014/main" id="{9822E561-F97C-4CBB-A9A6-A6BF6317BC84}"/>
+              </a:ext>
+              <a:ext uri="{C183D7F6-B498-43B3-948B-1728B52AA6E4}">
+                <adec:decorative xmlns:adec="http://schemas.microsoft.com/office/drawing/2017/decorative" val="1"/>
+              </a:ext>
+            </a:extLst>
+          </p:cNvPr>
+          <p:cNvSpPr>
+            <a:spLocks noGrp="1" noRot="1" noChangeAspect="1" noMove="1" noResize="1" noEditPoints="1" noAdjustHandles="1" noChangeArrowheads="1" noChangeShapeType="1" noTextEdit="1"/>
+          </p:cNvSpPr>
+          <p:nvPr>
+            <p:extLst>
+              <p:ext uri="{386F3935-93C4-4BCD-93E2-E3B085C9AB24}">
+                <p16:designElem xmlns:p16="http://schemas.microsoft.com/office/powerpoint/2015/main" val="1"/>
+              </p:ext>
+            </p:extLst>
+          </p:nvPr>
+        </p:nvSpPr>
+        <p:spPr>
+          <a:xfrm>
+            <a:off x="0" y="0"/>
+            <a:ext cx="12192000" cy="6858000"/>
+          </a:xfrm>
+          <a:prstGeom prst="rect">
+            <a:avLst/>
+          </a:prstGeom>
+          <a:solidFill>
+            <a:schemeClr val="bg1">
+              <a:lumMod val="85000"/>
+              <a:lumOff val="15000"/>
+            </a:schemeClr>
+          </a:solidFill>
+          <a:ln>
+            <a:noFill/>
+          </a:ln>
+          <a:effectLst/>
+        </p:spPr>
+        <p:style>
+          <a:lnRef idx="1">
+            <a:schemeClr val="accent1"/>
+          </a:lnRef>
+          <a:fillRef idx="3">
+            <a:schemeClr val="accent1"/>
+          </a:fillRef>
+          <a:effectRef idx="2">
+            <a:schemeClr val="accent1"/>
+          </a:effectRef>
+          <a:fontRef idx="minor">
+            <a:schemeClr val="lt1"/>
+          </a:fontRef>
+        </p:style>
+      </p:sp>
+      <p:sp>
+        <p:nvSpPr>
+          <p:cNvPr id="2" name="Title 1">
+            <a:extLst>
+              <a:ext uri="{FF2B5EF4-FFF2-40B4-BE49-F238E27FC236}">
+                <a16:creationId xmlns:a16="http://schemas.microsoft.com/office/drawing/2014/main" id="{B84214D5-4FB2-4CE0-B2A6-CC2C2A03DAA0}"/>
+              </a:ext>
+            </a:extLst>
+          </p:cNvPr>
+          <p:cNvSpPr>
+            <a:spLocks noGrp="1"/>
+          </p:cNvSpPr>
+          <p:nvPr>
+            <p:ph type="title"/>
+          </p:nvPr>
+        </p:nvSpPr>
+        <p:spPr>
+          <a:xfrm>
+            <a:off x="638620" y="863695"/>
+            <a:ext cx="3511233" cy="3779995"/>
+          </a:xfrm>
+        </p:spPr>
+        <p:txBody>
+          <a:bodyPr vert="horz" lIns="91440" tIns="45720" rIns="91440" bIns="45720" rtlCol="0" anchor="ctr">
+            <a:normAutofit/>
+          </a:bodyPr>
+          <a:lstStyle/>
+          <a:p>
+            <a:pPr algn="ctr"/>
+            <a:r>
+              <a:rPr lang="en-US" sz="3600" dirty="0">
+                <a:solidFill>
+                  <a:schemeClr val="tx1"/>
+                </a:solidFill>
+              </a:rPr>
+              <a:t>Racing bar chart </a:t>
+            </a:r>
+          </a:p>
+        </p:txBody>
+      </p:sp>
+      <p:sp>
+        <p:nvSpPr>
+          <p:cNvPr id="22" name="Rectangle 21">
+            <a:extLst>
+              <a:ext uri="{FF2B5EF4-FFF2-40B4-BE49-F238E27FC236}">
+                <a16:creationId xmlns:a16="http://schemas.microsoft.com/office/drawing/2014/main" id="{B01B0E58-A5C8-4CDA-A2E0-35DF94E59857}"/>
+              </a:ext>
+              <a:ext uri="{C183D7F6-B498-43B3-948B-1728B52AA6E4}">
+                <adec:decorative xmlns:adec="http://schemas.microsoft.com/office/drawing/2017/decorative" val="1"/>
+              </a:ext>
+            </a:extLst>
+          </p:cNvPr>
+          <p:cNvSpPr>
+            <a:spLocks noGrp="1" noRot="1" noChangeAspect="1" noMove="1" noResize="1" noEditPoints="1" noAdjustHandles="1" noChangeArrowheads="1" noChangeShapeType="1" noTextEdit="1"/>
+          </p:cNvSpPr>
+          <p:nvPr>
+            <p:extLst>
+              <p:ext uri="{386F3935-93C4-4BCD-93E2-E3B085C9AB24}">
+                <p16:designElem xmlns:p16="http://schemas.microsoft.com/office/powerpoint/2015/main" val="1"/>
+              </p:ext>
+            </p:extLst>
+          </p:nvPr>
+        </p:nvSpPr>
+        <p:spPr>
+          <a:xfrm>
+            <a:off x="638620" y="457200"/>
+            <a:ext cx="3511233" cy="91439"/>
+          </a:xfrm>
+          <a:prstGeom prst="rect">
+            <a:avLst/>
+          </a:prstGeom>
+          <a:solidFill>
+            <a:schemeClr val="accent1"/>
+          </a:solidFill>
+          <a:ln>
+            <a:noFill/>
+          </a:ln>
+          <a:effectLst/>
+        </p:spPr>
+        <p:style>
+          <a:lnRef idx="1">
+            <a:schemeClr val="accent1"/>
+          </a:lnRef>
+          <a:fillRef idx="3">
+            <a:schemeClr val="accent1"/>
+          </a:fillRef>
+          <a:effectRef idx="2">
+            <a:schemeClr val="accent1"/>
+          </a:effectRef>
+          <a:fontRef idx="minor">
+            <a:schemeClr val="lt1"/>
+          </a:fontRef>
+        </p:style>
+      </p:sp>
+      <p:pic>
+        <p:nvPicPr>
+          <p:cNvPr id="5" name="Content Placeholder 4" descr="Timeline&#10;&#10;Description automatically generated">
+            <a:extLst>
+              <a:ext uri="{FF2B5EF4-FFF2-40B4-BE49-F238E27FC236}">
+                <a16:creationId xmlns:a16="http://schemas.microsoft.com/office/drawing/2014/main" id="{0D6AAFB6-24A4-4494-9312-E8808556CA71}"/>
+              </a:ext>
+            </a:extLst>
+          </p:cNvPr>
+          <p:cNvPicPr>
+            <a:picLocks noGrp="1" noChangeAspect="1"/>
+          </p:cNvPicPr>
+          <p:nvPr>
+            <p:ph idx="1"/>
+          </p:nvPr>
+        </p:nvPicPr>
+        <p:blipFill rotWithShape="1">
+          <a:blip r:embed="rId2"/>
+          <a:srcRect l="6813" r="23942" b="-1"/>
+          <a:stretch/>
+        </p:blipFill>
+        <p:spPr>
+          <a:xfrm>
+            <a:off x="4654295" y="10"/>
+            <a:ext cx="7537705" cy="6857990"/>
+          </a:xfrm>
+          <a:prstGeom prst="rect">
+            <a:avLst/>
+          </a:prstGeom>
+        </p:spPr>
+      </p:pic>
     </p:spTree>
     <p:extLst>
       <p:ext uri="{BB962C8B-B14F-4D97-AF65-F5344CB8AC3E}">
@@ -9238,12 +11669,12 @@
     </p:extLst>
   </p:cSld>
   <p:clrMapOvr>
-    <a:masterClrMapping/>
+    <a:overrideClrMapping bg1="dk1" tx1="lt1" bg2="dk2" tx2="lt2" accent1="accent1" accent2="accent2" accent3="accent3" accent4="accent4" accent5="accent5" accent6="accent6" hlink="hlink" folHlink="folHlink"/>
   </p:clrMapOvr>
 </p:sld>
 </file>
 
-<file path=ppt/slides/slide7.xml><?xml version="1.0" encoding="utf-8"?>
+<file path=ppt/slides/slide8.xml><?xml version="1.0" encoding="utf-8"?>
 <p:sld xmlns:a="http://schemas.openxmlformats.org/drawingml/2006/main" xmlns:r="http://schemas.openxmlformats.org/officeDocument/2006/relationships" xmlns:p="http://schemas.openxmlformats.org/presentationml/2006/main">
   <p:cSld>
     <p:bg>
@@ -9694,7 +12125,7 @@
 </p:sld>
 </file>
 
-<file path=ppt/slides/slide8.xml><?xml version="1.0" encoding="utf-8"?>
+<file path=ppt/slides/slide9.xml><?xml version="1.0" encoding="utf-8"?>
 <p:sld xmlns:a="http://schemas.openxmlformats.org/drawingml/2006/main" xmlns:r="http://schemas.openxmlformats.org/officeDocument/2006/relationships" xmlns:p="http://schemas.openxmlformats.org/presentationml/2006/main">
   <p:cSld>
     <p:spTree>
@@ -9760,7 +12191,9 @@
         </p:nvSpPr>
         <p:spPr/>
         <p:txBody>
-          <a:bodyPr/>
+          <a:bodyPr>
+            <a:normAutofit fontScale="92500" lnSpcReduction="20000"/>
+          </a:bodyPr>
           <a:lstStyle/>
           <a:p>
             <a:r>
@@ -9769,6 +12202,13 @@
             </a:r>
           </a:p>
           <a:p>
+            <a:pPr lvl="1"/>
+            <a:r>
+              <a:rPr lang="en-US" dirty="0"/>
+              <a:t>Differences in output from different models</a:t>
+            </a:r>
+          </a:p>
+          <a:p>
             <a:r>
               <a:rPr lang="en-US" dirty="0"/>
               <a:t>Size of data – sharing, importing and hosting</a:t>
@@ -9784,6 +12224,26 @@
             <a:r>
               <a:rPr lang="en-US" dirty="0"/>
               <a:t>Publishing on Tableau Public required extracting the data – Tableau visualizations do not update with new user input.  </a:t>
+            </a:r>
+          </a:p>
+          <a:p>
+            <a:r>
+              <a:rPr lang="en-US" dirty="0"/>
+              <a:t>Workflow and timeline crunch</a:t>
+            </a:r>
+          </a:p>
+          <a:p>
+            <a:pPr lvl="1"/>
+            <a:r>
+              <a:rPr lang="en-US" dirty="0"/>
+              <a:t>Difficulties in having data accessible in workable format</a:t>
+            </a:r>
+          </a:p>
+          <a:p>
+            <a:pPr lvl="1"/>
+            <a:r>
+              <a:rPr lang="en-US" dirty="0"/>
+              <a:t>Difficulties in getting data into GeoJSON format and navigating the JSON</a:t>
             </a:r>
           </a:p>
           <a:p>
@@ -9860,7 +12320,7 @@
         </p:blipFill>
         <p:spPr>
           <a:xfrm>
-            <a:off x="1450108" y="803590"/>
+            <a:off x="1713877" y="803590"/>
             <a:ext cx="914400" cy="914400"/>
           </a:xfrm>
           <a:prstGeom prst="rect">
@@ -9913,638 +12373,6 @@
   </p:cSld>
   <p:clrMapOvr>
     <a:masterClrMapping/>
-  </p:clrMapOvr>
-</p:sld>
-</file>
-
-<file path=ppt/slides/slide9.xml><?xml version="1.0" encoding="utf-8"?>
-<p:sld xmlns:a="http://schemas.openxmlformats.org/drawingml/2006/main" xmlns:r="http://schemas.openxmlformats.org/officeDocument/2006/relationships" xmlns:p="http://schemas.openxmlformats.org/presentationml/2006/main">
-  <p:cSld>
-    <p:bg>
-      <p:bgPr>
-        <a:solidFill>
-          <a:schemeClr val="bg2"/>
-        </a:solidFill>
-        <a:effectLst/>
-      </p:bgPr>
-    </p:bg>
-    <p:spTree>
-      <p:nvGrpSpPr>
-        <p:cNvPr id="1" name=""/>
-        <p:cNvGrpSpPr/>
-        <p:nvPr/>
-      </p:nvGrpSpPr>
-      <p:grpSpPr>
-        <a:xfrm>
-          <a:off x="0" y="0"/>
-          <a:ext cx="0" cy="0"/>
-          <a:chOff x="0" y="0"/>
-          <a:chExt cx="0" cy="0"/>
-        </a:xfrm>
-      </p:grpSpPr>
-      <p:sp>
-        <p:nvSpPr>
-          <p:cNvPr id="11" name="Rectangle 10">
-            <a:extLst>
-              <a:ext uri="{FF2B5EF4-FFF2-40B4-BE49-F238E27FC236}">
-                <a16:creationId xmlns:a16="http://schemas.microsoft.com/office/drawing/2014/main" id="{DD651B61-325E-4E73-8445-38B0DE8AAAB6}"/>
-              </a:ext>
-              <a:ext uri="{C183D7F6-B498-43B3-948B-1728B52AA6E4}">
-                <adec:decorative xmlns:adec="http://schemas.microsoft.com/office/drawing/2017/decorative" val="1"/>
-              </a:ext>
-            </a:extLst>
-          </p:cNvPr>
-          <p:cNvSpPr>
-            <a:spLocks noGrp="1" noRot="1" noChangeAspect="1" noMove="1" noResize="1" noEditPoints="1" noAdjustHandles="1" noChangeArrowheads="1" noChangeShapeType="1" noTextEdit="1"/>
-          </p:cNvSpPr>
-          <p:nvPr>
-            <p:extLst>
-              <p:ext uri="{386F3935-93C4-4BCD-93E2-E3B085C9AB24}">
-                <p16:designElem xmlns:p16="http://schemas.microsoft.com/office/powerpoint/2015/main" val="1"/>
-              </p:ext>
-            </p:extLst>
-          </p:nvPr>
-        </p:nvSpPr>
-        <p:spPr>
-          <a:xfrm>
-            <a:off x="446534" y="457200"/>
-            <a:ext cx="3703320" cy="94997"/>
-          </a:xfrm>
-          <a:prstGeom prst="rect">
-            <a:avLst/>
-          </a:prstGeom>
-          <a:solidFill>
-            <a:srgbClr val="465359"/>
-          </a:solidFill>
-          <a:ln>
-            <a:noFill/>
-          </a:ln>
-          <a:effectLst/>
-        </p:spPr>
-        <p:style>
-          <a:lnRef idx="1">
-            <a:schemeClr val="accent1"/>
-          </a:lnRef>
-          <a:fillRef idx="3">
-            <a:schemeClr val="accent1"/>
-          </a:fillRef>
-          <a:effectRef idx="2">
-            <a:schemeClr val="accent1"/>
-          </a:effectRef>
-          <a:fontRef idx="minor">
-            <a:schemeClr val="lt1"/>
-          </a:fontRef>
-        </p:style>
-      </p:sp>
-      <p:sp>
-        <p:nvSpPr>
-          <p:cNvPr id="13" name="Rectangle 12">
-            <a:extLst>
-              <a:ext uri="{FF2B5EF4-FFF2-40B4-BE49-F238E27FC236}">
-                <a16:creationId xmlns:a16="http://schemas.microsoft.com/office/drawing/2014/main" id="{B42E5253-D3AC-4AC2-B766-8B34F13C2F5E}"/>
-              </a:ext>
-              <a:ext uri="{C183D7F6-B498-43B3-948B-1728B52AA6E4}">
-                <adec:decorative xmlns:adec="http://schemas.microsoft.com/office/drawing/2017/decorative" val="1"/>
-              </a:ext>
-            </a:extLst>
-          </p:cNvPr>
-          <p:cNvSpPr>
-            <a:spLocks noGrp="1" noRot="1" noChangeAspect="1" noMove="1" noResize="1" noEditPoints="1" noAdjustHandles="1" noChangeArrowheads="1" noChangeShapeType="1" noTextEdit="1"/>
-          </p:cNvSpPr>
-          <p:nvPr>
-            <p:extLst>
-              <p:ext uri="{386F3935-93C4-4BCD-93E2-E3B085C9AB24}">
-                <p16:designElem xmlns:p16="http://schemas.microsoft.com/office/powerpoint/2015/main" val="1"/>
-              </p:ext>
-            </p:extLst>
-          </p:nvPr>
-        </p:nvSpPr>
-        <p:spPr>
-          <a:xfrm>
-            <a:off x="8042147" y="453643"/>
-            <a:ext cx="3703320" cy="98554"/>
-          </a:xfrm>
-          <a:prstGeom prst="rect">
-            <a:avLst/>
-          </a:prstGeom>
-          <a:solidFill>
-            <a:srgbClr val="969FA7"/>
-          </a:solidFill>
-          <a:ln>
-            <a:noFill/>
-          </a:ln>
-          <a:effectLst/>
-        </p:spPr>
-        <p:style>
-          <a:lnRef idx="1">
-            <a:schemeClr val="accent1"/>
-          </a:lnRef>
-          <a:fillRef idx="3">
-            <a:schemeClr val="accent1"/>
-          </a:fillRef>
-          <a:effectRef idx="2">
-            <a:schemeClr val="accent1"/>
-          </a:effectRef>
-          <a:fontRef idx="minor">
-            <a:schemeClr val="lt1"/>
-          </a:fontRef>
-        </p:style>
-      </p:sp>
-      <p:sp>
-        <p:nvSpPr>
-          <p:cNvPr id="15" name="Rectangle 14">
-            <a:extLst>
-              <a:ext uri="{FF2B5EF4-FFF2-40B4-BE49-F238E27FC236}">
-                <a16:creationId xmlns:a16="http://schemas.microsoft.com/office/drawing/2014/main" id="{10AE8D57-436A-4073-9A75-15BB5949F8B4}"/>
-              </a:ext>
-              <a:ext uri="{C183D7F6-B498-43B3-948B-1728B52AA6E4}">
-                <adec:decorative xmlns:adec="http://schemas.microsoft.com/office/drawing/2017/decorative" val="1"/>
-              </a:ext>
-            </a:extLst>
-          </p:cNvPr>
-          <p:cNvSpPr>
-            <a:spLocks noGrp="1" noRot="1" noChangeAspect="1" noMove="1" noResize="1" noEditPoints="1" noAdjustHandles="1" noChangeArrowheads="1" noChangeShapeType="1" noTextEdit="1"/>
-          </p:cNvSpPr>
-          <p:nvPr>
-            <p:extLst>
-              <p:ext uri="{386F3935-93C4-4BCD-93E2-E3B085C9AB24}">
-                <p16:designElem xmlns:p16="http://schemas.microsoft.com/office/powerpoint/2015/main" val="1"/>
-              </p:ext>
-            </p:extLst>
-          </p:nvPr>
-        </p:nvSpPr>
-        <p:spPr>
-          <a:xfrm>
-            <a:off x="4241830" y="457200"/>
-            <a:ext cx="3703320" cy="91440"/>
-          </a:xfrm>
-          <a:prstGeom prst="rect">
-            <a:avLst/>
-          </a:prstGeom>
-          <a:solidFill>
-            <a:schemeClr val="accent1"/>
-          </a:solidFill>
-          <a:ln>
-            <a:noFill/>
-          </a:ln>
-          <a:effectLst/>
-        </p:spPr>
-        <p:style>
-          <a:lnRef idx="1">
-            <a:schemeClr val="accent1"/>
-          </a:lnRef>
-          <a:fillRef idx="3">
-            <a:schemeClr val="accent1"/>
-          </a:fillRef>
-          <a:effectRef idx="2">
-            <a:schemeClr val="accent1"/>
-          </a:effectRef>
-          <a:fontRef idx="minor">
-            <a:schemeClr val="lt1"/>
-          </a:fontRef>
-        </p:style>
-      </p:sp>
-      <p:sp>
-        <p:nvSpPr>
-          <p:cNvPr id="17" name="Rectangle 16">
-            <a:extLst>
-              <a:ext uri="{FF2B5EF4-FFF2-40B4-BE49-F238E27FC236}">
-                <a16:creationId xmlns:a16="http://schemas.microsoft.com/office/drawing/2014/main" id="{88C97474-5879-4DB5-B4F3-F0357104BC8E}"/>
-              </a:ext>
-              <a:ext uri="{C183D7F6-B498-43B3-948B-1728B52AA6E4}">
-                <adec:decorative xmlns:adec="http://schemas.microsoft.com/office/drawing/2017/decorative" val="1"/>
-              </a:ext>
-            </a:extLst>
-          </p:cNvPr>
-          <p:cNvSpPr>
-            <a:spLocks noGrp="1" noRot="1" noChangeAspect="1" noMove="1" noResize="1" noEditPoints="1" noAdjustHandles="1" noChangeArrowheads="1" noChangeShapeType="1" noTextEdit="1"/>
-          </p:cNvSpPr>
-          <p:nvPr>
-            <p:extLst>
-              <p:ext uri="{386F3935-93C4-4BCD-93E2-E3B085C9AB24}">
-                <p16:designElem xmlns:p16="http://schemas.microsoft.com/office/powerpoint/2015/main" val="1"/>
-              </p:ext>
-            </p:extLst>
-          </p:nvPr>
-        </p:nvSpPr>
-        <p:spPr>
-          <a:xfrm>
-            <a:off x="0" y="0"/>
-            <a:ext cx="12192000" cy="6858000"/>
-          </a:xfrm>
-          <a:prstGeom prst="rect">
-            <a:avLst/>
-          </a:prstGeom>
-          <a:solidFill>
-            <a:schemeClr val="tx1"/>
-          </a:solidFill>
-          <a:ln>
-            <a:noFill/>
-          </a:ln>
-        </p:spPr>
-        <p:style>
-          <a:lnRef idx="2">
-            <a:schemeClr val="accent1">
-              <a:shade val="50000"/>
-            </a:schemeClr>
-          </a:lnRef>
-          <a:fillRef idx="1">
-            <a:schemeClr val="accent1"/>
-          </a:fillRef>
-          <a:effectRef idx="0">
-            <a:schemeClr val="accent1"/>
-          </a:effectRef>
-          <a:fontRef idx="minor">
-            <a:schemeClr val="lt1"/>
-          </a:fontRef>
-        </p:style>
-        <p:txBody>
-          <a:bodyPr rtlCol="0" anchor="ctr"/>
-          <a:lstStyle/>
-          <a:p>
-            <a:pPr algn="ctr"/>
-            <a:endParaRPr lang="en-US"/>
-          </a:p>
-        </p:txBody>
-      </p:sp>
-      <p:sp>
-        <p:nvSpPr>
-          <p:cNvPr id="19" name="Rectangle 18">
-            <a:extLst>
-              <a:ext uri="{FF2B5EF4-FFF2-40B4-BE49-F238E27FC236}">
-                <a16:creationId xmlns:a16="http://schemas.microsoft.com/office/drawing/2014/main" id="{7D2AF00E-D433-4047-863F-BCB69CEC3C35}"/>
-              </a:ext>
-              <a:ext uri="{C183D7F6-B498-43B3-948B-1728B52AA6E4}">
-                <adec:decorative xmlns:adec="http://schemas.microsoft.com/office/drawing/2017/decorative" val="1"/>
-              </a:ext>
-            </a:extLst>
-          </p:cNvPr>
-          <p:cNvSpPr>
-            <a:spLocks noGrp="1" noRot="1" noChangeAspect="1" noMove="1" noResize="1" noEditPoints="1" noAdjustHandles="1" noChangeArrowheads="1" noChangeShapeType="1" noTextEdit="1"/>
-          </p:cNvSpPr>
-          <p:nvPr>
-            <p:extLst>
-              <p:ext uri="{386F3935-93C4-4BCD-93E2-E3B085C9AB24}">
-                <p16:designElem xmlns:p16="http://schemas.microsoft.com/office/powerpoint/2015/main" val="1"/>
-              </p:ext>
-            </p:extLst>
-          </p:nvPr>
-        </p:nvSpPr>
-        <p:spPr>
-          <a:xfrm>
-            <a:off x="451588" y="601200"/>
-            <a:ext cx="7498616" cy="5789365"/>
-          </a:xfrm>
-          <a:prstGeom prst="rect">
-            <a:avLst/>
-          </a:prstGeom>
-          <a:solidFill>
-            <a:srgbClr val="465359"/>
-          </a:solidFill>
-          <a:ln>
-            <a:noFill/>
-          </a:ln>
-          <a:effectLst/>
-        </p:spPr>
-        <p:style>
-          <a:lnRef idx="1">
-            <a:schemeClr val="accent1"/>
-          </a:lnRef>
-          <a:fillRef idx="3">
-            <a:schemeClr val="accent1"/>
-          </a:fillRef>
-          <a:effectRef idx="2">
-            <a:schemeClr val="accent1"/>
-          </a:effectRef>
-          <a:fontRef idx="minor">
-            <a:schemeClr val="lt1"/>
-          </a:fontRef>
-        </p:style>
-      </p:sp>
-      <p:sp>
-        <p:nvSpPr>
-          <p:cNvPr id="2" name="Title 1">
-            <a:extLst>
-              <a:ext uri="{FF2B5EF4-FFF2-40B4-BE49-F238E27FC236}">
-                <a16:creationId xmlns:a16="http://schemas.microsoft.com/office/drawing/2014/main" id="{11806C35-E2E3-4D85-842B-D6C733F78C1B}"/>
-              </a:ext>
-            </a:extLst>
-          </p:cNvPr>
-          <p:cNvSpPr>
-            <a:spLocks noGrp="1"/>
-          </p:cNvSpPr>
-          <p:nvPr>
-            <p:ph type="title"/>
-          </p:nvPr>
-        </p:nvSpPr>
-        <p:spPr>
-          <a:xfrm>
-            <a:off x="807559" y="938022"/>
-            <a:ext cx="6647905" cy="1188720"/>
-          </a:xfrm>
-        </p:spPr>
-        <p:txBody>
-          <a:bodyPr vert="horz" lIns="91440" tIns="45720" rIns="91440" bIns="45720" rtlCol="0" anchor="b">
-            <a:normAutofit/>
-          </a:bodyPr>
-          <a:lstStyle/>
-          <a:p>
-            <a:r>
-              <a:rPr lang="en-US" dirty="0">
-                <a:solidFill>
-                  <a:srgbClr val="FFFFFF"/>
-                </a:solidFill>
-              </a:rPr>
-              <a:t>Where to from here </a:t>
-            </a:r>
-          </a:p>
-        </p:txBody>
-      </p:sp>
-      <p:sp>
-        <p:nvSpPr>
-          <p:cNvPr id="21" name="Rectangle 20">
-            <a:extLst>
-              <a:ext uri="{FF2B5EF4-FFF2-40B4-BE49-F238E27FC236}">
-                <a16:creationId xmlns:a16="http://schemas.microsoft.com/office/drawing/2014/main" id="{0997DBEA-6DFC-457A-9850-E535053549D6}"/>
-              </a:ext>
-              <a:ext uri="{C183D7F6-B498-43B3-948B-1728B52AA6E4}">
-                <adec:decorative xmlns:adec="http://schemas.microsoft.com/office/drawing/2017/decorative" val="1"/>
-              </a:ext>
-            </a:extLst>
-          </p:cNvPr>
-          <p:cNvSpPr>
-            <a:spLocks noGrp="1" noRot="1" noChangeAspect="1" noMove="1" noResize="1" noEditPoints="1" noAdjustHandles="1" noChangeArrowheads="1" noChangeShapeType="1" noTextEdit="1"/>
-          </p:cNvSpPr>
-          <p:nvPr>
-            <p:extLst>
-              <p:ext uri="{386F3935-93C4-4BCD-93E2-E3B085C9AB24}">
-                <p16:designElem xmlns:p16="http://schemas.microsoft.com/office/powerpoint/2015/main" val="1"/>
-              </p:ext>
-            </p:extLst>
-          </p:nvPr>
-        </p:nvSpPr>
-        <p:spPr>
-          <a:xfrm>
-            <a:off x="446534" y="457200"/>
-            <a:ext cx="3703320" cy="94997"/>
-          </a:xfrm>
-          <a:prstGeom prst="rect">
-            <a:avLst/>
-          </a:prstGeom>
-          <a:solidFill>
-            <a:srgbClr val="465359"/>
-          </a:solidFill>
-          <a:ln>
-            <a:noFill/>
-          </a:ln>
-          <a:effectLst/>
-        </p:spPr>
-        <p:style>
-          <a:lnRef idx="1">
-            <a:schemeClr val="accent1"/>
-          </a:lnRef>
-          <a:fillRef idx="3">
-            <a:schemeClr val="accent1"/>
-          </a:fillRef>
-          <a:effectRef idx="2">
-            <a:schemeClr val="accent1"/>
-          </a:effectRef>
-          <a:fontRef idx="minor">
-            <a:schemeClr val="lt1"/>
-          </a:fontRef>
-        </p:style>
-      </p:sp>
-      <p:sp>
-        <p:nvSpPr>
-          <p:cNvPr id="23" name="Rectangle 22">
-            <a:extLst>
-              <a:ext uri="{FF2B5EF4-FFF2-40B4-BE49-F238E27FC236}">
-                <a16:creationId xmlns:a16="http://schemas.microsoft.com/office/drawing/2014/main" id="{79446CF5-953A-4916-BFF4-F5558E5C2359}"/>
-              </a:ext>
-              <a:ext uri="{C183D7F6-B498-43B3-948B-1728B52AA6E4}">
-                <adec:decorative xmlns:adec="http://schemas.microsoft.com/office/drawing/2017/decorative" val="1"/>
-              </a:ext>
-            </a:extLst>
-          </p:cNvPr>
-          <p:cNvSpPr>
-            <a:spLocks noGrp="1" noRot="1" noChangeAspect="1" noMove="1" noResize="1" noEditPoints="1" noAdjustHandles="1" noChangeArrowheads="1" noChangeShapeType="1" noTextEdit="1"/>
-          </p:cNvSpPr>
-          <p:nvPr>
-            <p:extLst>
-              <p:ext uri="{386F3935-93C4-4BCD-93E2-E3B085C9AB24}">
-                <p16:designElem xmlns:p16="http://schemas.microsoft.com/office/powerpoint/2015/main" val="1"/>
-              </p:ext>
-            </p:extLst>
-          </p:nvPr>
-        </p:nvSpPr>
-        <p:spPr>
-          <a:xfrm>
-            <a:off x="4241830" y="457200"/>
-            <a:ext cx="3703320" cy="91440"/>
-          </a:xfrm>
-          <a:prstGeom prst="rect">
-            <a:avLst/>
-          </a:prstGeom>
-          <a:solidFill>
-            <a:schemeClr val="accent1"/>
-          </a:solidFill>
-          <a:ln>
-            <a:noFill/>
-          </a:ln>
-          <a:effectLst/>
-        </p:spPr>
-        <p:style>
-          <a:lnRef idx="1">
-            <a:schemeClr val="accent1"/>
-          </a:lnRef>
-          <a:fillRef idx="3">
-            <a:schemeClr val="accent1"/>
-          </a:fillRef>
-          <a:effectRef idx="2">
-            <a:schemeClr val="accent1"/>
-          </a:effectRef>
-          <a:fontRef idx="minor">
-            <a:schemeClr val="lt1"/>
-          </a:fontRef>
-        </p:style>
-      </p:sp>
-      <p:sp>
-        <p:nvSpPr>
-          <p:cNvPr id="25" name="Rectangle 24">
-            <a:extLst>
-              <a:ext uri="{FF2B5EF4-FFF2-40B4-BE49-F238E27FC236}">
-                <a16:creationId xmlns:a16="http://schemas.microsoft.com/office/drawing/2014/main" id="{477B945C-B433-4DFF-9A67-A5C9257E471C}"/>
-              </a:ext>
-              <a:ext uri="{C183D7F6-B498-43B3-948B-1728B52AA6E4}">
-                <adec:decorative xmlns:adec="http://schemas.microsoft.com/office/drawing/2017/decorative" val="1"/>
-              </a:ext>
-            </a:extLst>
-          </p:cNvPr>
-          <p:cNvSpPr>
-            <a:spLocks noGrp="1" noRot="1" noChangeAspect="1" noMove="1" noResize="1" noEditPoints="1" noAdjustHandles="1" noChangeArrowheads="1" noChangeShapeType="1" noTextEdit="1"/>
-          </p:cNvSpPr>
-          <p:nvPr>
-            <p:extLst>
-              <p:ext uri="{386F3935-93C4-4BCD-93E2-E3B085C9AB24}">
-                <p16:designElem xmlns:p16="http://schemas.microsoft.com/office/powerpoint/2015/main" val="1"/>
-              </p:ext>
-            </p:extLst>
-          </p:nvPr>
-        </p:nvSpPr>
-        <p:spPr>
-          <a:xfrm>
-            <a:off x="8042147" y="453643"/>
-            <a:ext cx="3703320" cy="98554"/>
-          </a:xfrm>
-          <a:prstGeom prst="rect">
-            <a:avLst/>
-          </a:prstGeom>
-          <a:solidFill>
-            <a:srgbClr val="969FA7"/>
-          </a:solidFill>
-          <a:ln>
-            <a:noFill/>
-          </a:ln>
-          <a:effectLst/>
-        </p:spPr>
-        <p:style>
-          <a:lnRef idx="1">
-            <a:schemeClr val="accent1"/>
-          </a:lnRef>
-          <a:fillRef idx="3">
-            <a:schemeClr val="accent1"/>
-          </a:fillRef>
-          <a:effectRef idx="2">
-            <a:schemeClr val="accent1"/>
-          </a:effectRef>
-          <a:fontRef idx="minor">
-            <a:schemeClr val="lt1"/>
-          </a:fontRef>
-        </p:style>
-      </p:sp>
-      <p:sp>
-        <p:nvSpPr>
-          <p:cNvPr id="3" name="Content Placeholder 2">
-            <a:extLst>
-              <a:ext uri="{FF2B5EF4-FFF2-40B4-BE49-F238E27FC236}">
-                <a16:creationId xmlns:a16="http://schemas.microsoft.com/office/drawing/2014/main" id="{A5737E26-B9F4-4D08-B249-689004FD29A6}"/>
-              </a:ext>
-            </a:extLst>
-          </p:cNvPr>
-          <p:cNvSpPr>
-            <a:spLocks noGrp="1"/>
-          </p:cNvSpPr>
-          <p:nvPr>
-            <p:ph sz="half" idx="1"/>
-          </p:nvPr>
-        </p:nvSpPr>
-        <p:spPr>
-          <a:xfrm>
-            <a:off x="807559" y="2340864"/>
-            <a:ext cx="6690843" cy="3793237"/>
-          </a:xfrm>
-        </p:spPr>
-        <p:txBody>
-          <a:bodyPr vert="horz" lIns="91440" tIns="45720" rIns="91440" bIns="45720" rtlCol="0" anchor="ctr">
-            <a:normAutofit/>
-          </a:bodyPr>
-          <a:lstStyle/>
-          <a:p>
-            <a:r>
-              <a:rPr lang="en-US" dirty="0">
-                <a:solidFill>
-                  <a:srgbClr val="FFFFFF"/>
-                </a:solidFill>
-              </a:rPr>
-              <a:t>Ideally this website should scrape for the most recent snowfall data to add to the database and incorporate analysis based in meteorology. </a:t>
-            </a:r>
-          </a:p>
-          <a:p>
-            <a:r>
-              <a:rPr lang="en-US" dirty="0">
-                <a:solidFill>
-                  <a:srgbClr val="FFFFFF"/>
-                </a:solidFill>
-              </a:rPr>
-              <a:t>Include a Daily Top Ten snowfall locations bar chart</a:t>
-            </a:r>
-          </a:p>
-          <a:p>
-            <a:r>
-              <a:rPr lang="en-US" dirty="0">
-                <a:solidFill>
-                  <a:srgbClr val="FFFFFF"/>
-                </a:solidFill>
-              </a:rPr>
-              <a:t>Include markers for closest ski resorts </a:t>
-            </a:r>
-          </a:p>
-          <a:p>
-            <a:r>
-              <a:rPr lang="en-US" dirty="0">
-                <a:solidFill>
-                  <a:srgbClr val="FFFFFF"/>
-                </a:solidFill>
-              </a:rPr>
-              <a:t>Use dropdowns for the user input section to retain data integrity (standardized spellings, capitalizations and limit locations/activities)</a:t>
-            </a:r>
-          </a:p>
-          <a:p>
-            <a:endParaRPr lang="en-US" dirty="0">
-              <a:solidFill>
-                <a:srgbClr val="FFFFFF"/>
-              </a:solidFill>
-            </a:endParaRPr>
-          </a:p>
-        </p:txBody>
-      </p:sp>
-      <p:pic>
-        <p:nvPicPr>
-          <p:cNvPr id="6" name="Content Placeholder 5" descr="Aspiration with solid fill">
-            <a:extLst>
-              <a:ext uri="{FF2B5EF4-FFF2-40B4-BE49-F238E27FC236}">
-                <a16:creationId xmlns:a16="http://schemas.microsoft.com/office/drawing/2014/main" id="{A7980E47-1DA0-4948-ABD4-1A501513B902}"/>
-              </a:ext>
-            </a:extLst>
-          </p:cNvPr>
-          <p:cNvPicPr>
-            <a:picLocks noGrp="1" noChangeAspect="1"/>
-          </p:cNvPicPr>
-          <p:nvPr>
-            <p:ph sz="half" idx="2"/>
-          </p:nvPr>
-        </p:nvPicPr>
-        <p:blipFill>
-          <a:blip r:embed="rId2">
-            <a:extLst>
-              <a:ext uri="{96DAC541-7B7A-43D3-8B79-37D633B846F1}">
-                <asvg:svgBlip xmlns:asvg="http://schemas.microsoft.com/office/drawing/2016/SVG/main" r:embed="rId3"/>
-              </a:ext>
-            </a:extLst>
-          </a:blip>
-          <a:stretch>
-            <a:fillRect/>
-          </a:stretch>
-        </p:blipFill>
-        <p:spPr>
-          <a:xfrm>
-            <a:off x="8476761" y="2049354"/>
-            <a:ext cx="3053422" cy="3053422"/>
-          </a:xfrm>
-          <a:prstGeom prst="rect">
-            <a:avLst/>
-          </a:prstGeom>
-        </p:spPr>
-      </p:pic>
-    </p:spTree>
-    <p:extLst>
-      <p:ext uri="{BB962C8B-B14F-4D97-AF65-F5344CB8AC3E}">
-        <p14:creationId xmlns:p14="http://schemas.microsoft.com/office/powerpoint/2010/main" val="2997626036"/>
-      </p:ext>
-    </p:extLst>
-  </p:cSld>
-  <p:clrMapOvr>
-    <a:overrideClrMapping bg1="dk1" tx1="lt1" bg2="dk2" tx2="lt2" accent1="accent1" accent2="accent2" accent3="accent3" accent4="accent4" accent5="accent5" accent6="accent6" hlink="hlink" folHlink="folHlink"/>
   </p:clrMapOvr>
 </p:sld>
 </file>
